--- a/2022-09-22 Dotnet Community Standup/ABP-Framework.pptx
+++ b/2022-09-22 Dotnet Community Standup/ABP-Framework.pptx
@@ -17,20 +17,22 @@
     <p:sldId id="278" r:id="rId11"/>
     <p:sldId id="264" r:id="rId12"/>
     <p:sldId id="265" r:id="rId13"/>
-    <p:sldId id="266" r:id="rId14"/>
-    <p:sldId id="267" r:id="rId15"/>
-    <p:sldId id="268" r:id="rId16"/>
-    <p:sldId id="269" r:id="rId17"/>
-    <p:sldId id="279" r:id="rId18"/>
-    <p:sldId id="281" r:id="rId19"/>
-    <p:sldId id="270" r:id="rId20"/>
-    <p:sldId id="271" r:id="rId21"/>
-    <p:sldId id="272" r:id="rId22"/>
-    <p:sldId id="273" r:id="rId23"/>
-    <p:sldId id="274" r:id="rId24"/>
-    <p:sldId id="275" r:id="rId25"/>
-    <p:sldId id="276" r:id="rId26"/>
-    <p:sldId id="277" r:id="rId27"/>
+    <p:sldId id="268" r:id="rId14"/>
+    <p:sldId id="283" r:id="rId15"/>
+    <p:sldId id="282" r:id="rId16"/>
+    <p:sldId id="267" r:id="rId17"/>
+    <p:sldId id="266" r:id="rId18"/>
+    <p:sldId id="269" r:id="rId19"/>
+    <p:sldId id="279" r:id="rId20"/>
+    <p:sldId id="281" r:id="rId21"/>
+    <p:sldId id="270" r:id="rId22"/>
+    <p:sldId id="271" r:id="rId23"/>
+    <p:sldId id="272" r:id="rId24"/>
+    <p:sldId id="273" r:id="rId25"/>
+    <p:sldId id="274" r:id="rId26"/>
+    <p:sldId id="275" r:id="rId27"/>
+    <p:sldId id="276" r:id="rId28"/>
+    <p:sldId id="277" r:id="rId29"/>
   </p:sldIdLst>
   <p:sldSz cx="12192000" cy="6858000"/>
   <p:notesSz cx="6858000" cy="9144000"/>
@@ -3635,16 +3637,6 @@
           <a:p>
             <a:pPr algn="l"/>
             <a:r>
-              <a:rPr lang="en-US" sz="4000" dirty="0" err="1">
-                <a:solidFill>
-                  <a:srgbClr val="44013C"/>
-                </a:solidFill>
-                <a:latin typeface="Segoe UI Semibold" panose="020B0702040204020203" pitchFamily="34" charset="0"/>
-                <a:cs typeface="Segoe UI Semibold" panose="020B0702040204020203" pitchFamily="34" charset="0"/>
-              </a:rPr>
-              <a:t>Blazor</a:t>
-            </a:r>
-            <a:r>
               <a:rPr lang="en-US" sz="4000" dirty="0">
                 <a:solidFill>
                   <a:srgbClr val="44013C"/>
@@ -3652,7 +3644,7 @@
                 <a:latin typeface="Segoe UI Semibold" panose="020B0702040204020203" pitchFamily="34" charset="0"/>
                 <a:cs typeface="Segoe UI Semibold" panose="020B0702040204020203" pitchFamily="34" charset="0"/>
               </a:rPr>
-              <a:t> WASM to Server Communication</a:t>
+              <a:t>Client to Server Communication</a:t>
             </a:r>
             <a:endParaRPr lang="tr-TR" sz="4000" dirty="0">
               <a:solidFill>
@@ -4313,16 +4305,6 @@
           <a:p>
             <a:pPr algn="l"/>
             <a:r>
-              <a:rPr lang="en-US" sz="4000" dirty="0" err="1">
-                <a:solidFill>
-                  <a:srgbClr val="44013C"/>
-                </a:solidFill>
-                <a:latin typeface="Segoe UI Semibold" panose="020B0702040204020203" pitchFamily="34" charset="0"/>
-                <a:cs typeface="Segoe UI Semibold" panose="020B0702040204020203" pitchFamily="34" charset="0"/>
-              </a:rPr>
-              <a:t>Blazor</a:t>
-            </a:r>
-            <a:r>
               <a:rPr lang="en-US" sz="4000" dirty="0">
                 <a:solidFill>
                   <a:srgbClr val="44013C"/>
@@ -4330,7 +4312,7 @@
                 <a:latin typeface="Segoe UI Semibold" panose="020B0702040204020203" pitchFamily="34" charset="0"/>
                 <a:cs typeface="Segoe UI Semibold" panose="020B0702040204020203" pitchFamily="34" charset="0"/>
               </a:rPr>
-              <a:t> WASM to Server Communication</a:t>
+              <a:t>Client to Server Communication</a:t>
             </a:r>
             <a:endParaRPr lang="tr-TR" sz="4000" dirty="0">
               <a:solidFill>
@@ -4499,7 +4481,7 @@
                 <a:latin typeface="Segoe UI Semibold" panose="020B0702040204020203" pitchFamily="34" charset="0"/>
                 <a:cs typeface="Segoe UI Semibold" panose="020B0702040204020203" pitchFamily="34" charset="0"/>
               </a:rPr>
-              <a:t>ABP Input Tag Helpers</a:t>
+              <a:t>Inter-microservice messaging</a:t>
             </a:r>
             <a:endParaRPr lang="tr-TR" sz="4000" dirty="0">
               <a:solidFill>
@@ -4509,12 +4491,174 @@
           </a:p>
         </p:txBody>
       </p:sp>
+      <p:sp>
+        <p:nvSpPr>
+          <p:cNvPr id="5" name="Rectangle 4">
+            <a:extLst>
+              <a:ext uri="{FF2B5EF4-FFF2-40B4-BE49-F238E27FC236}">
+                <a16:creationId xmlns:a16="http://schemas.microsoft.com/office/drawing/2014/main" id="{1892FD6B-79D4-4A03-BFFA-7F685BF25C41}"/>
+              </a:ext>
+            </a:extLst>
+          </p:cNvPr>
+          <p:cNvSpPr/>
+          <p:nvPr/>
+        </p:nvSpPr>
+        <p:spPr>
+          <a:xfrm>
+            <a:off x="1518613" y="2289874"/>
+            <a:ext cx="2300785" cy="317266"/>
+          </a:xfrm>
+          <a:prstGeom prst="rect">
+            <a:avLst/>
+          </a:prstGeom>
+        </p:spPr>
+        <p:style>
+          <a:lnRef idx="2">
+            <a:schemeClr val="accent1">
+              <a:shade val="50000"/>
+            </a:schemeClr>
+          </a:lnRef>
+          <a:fillRef idx="1">
+            <a:schemeClr val="accent1"/>
+          </a:fillRef>
+          <a:effectRef idx="0">
+            <a:schemeClr val="accent1"/>
+          </a:effectRef>
+          <a:fontRef idx="minor">
+            <a:schemeClr val="lt1"/>
+          </a:fontRef>
+        </p:style>
+        <p:txBody>
+          <a:bodyPr rtlCol="0" anchor="ctr"/>
+          <a:lstStyle/>
+          <a:p>
+            <a:pPr algn="ctr"/>
+            <a:r>
+              <a:rPr lang="en-US" sz="1600" dirty="0"/>
+              <a:t>Microservice A</a:t>
+            </a:r>
+          </a:p>
+        </p:txBody>
+      </p:sp>
+      <p:sp>
+        <p:nvSpPr>
+          <p:cNvPr id="6" name="Rectangle 5">
+            <a:extLst>
+              <a:ext uri="{FF2B5EF4-FFF2-40B4-BE49-F238E27FC236}">
+                <a16:creationId xmlns:a16="http://schemas.microsoft.com/office/drawing/2014/main" id="{6A579E90-F20C-4CE9-BA0B-8B010FEBF154}"/>
+              </a:ext>
+            </a:extLst>
+          </p:cNvPr>
+          <p:cNvSpPr/>
+          <p:nvPr/>
+        </p:nvSpPr>
+        <p:spPr>
+          <a:xfrm>
+            <a:off x="7979860" y="2298851"/>
+            <a:ext cx="2300785" cy="317266"/>
+          </a:xfrm>
+          <a:prstGeom prst="rect">
+            <a:avLst/>
+          </a:prstGeom>
+        </p:spPr>
+        <p:style>
+          <a:lnRef idx="2">
+            <a:schemeClr val="accent1">
+              <a:shade val="50000"/>
+            </a:schemeClr>
+          </a:lnRef>
+          <a:fillRef idx="1">
+            <a:schemeClr val="accent1"/>
+          </a:fillRef>
+          <a:effectRef idx="0">
+            <a:schemeClr val="accent1"/>
+          </a:effectRef>
+          <a:fontRef idx="minor">
+            <a:schemeClr val="lt1"/>
+          </a:fontRef>
+        </p:style>
+        <p:txBody>
+          <a:bodyPr rtlCol="0" anchor="ctr"/>
+          <a:lstStyle/>
+          <a:p>
+            <a:pPr algn="ctr"/>
+            <a:r>
+              <a:rPr lang="en-US" sz="1600" dirty="0"/>
+              <a:t>Microservice B</a:t>
+            </a:r>
+          </a:p>
+        </p:txBody>
+      </p:sp>
+      <p:sp>
+        <p:nvSpPr>
+          <p:cNvPr id="7" name="Rectangle 6">
+            <a:extLst>
+              <a:ext uri="{FF2B5EF4-FFF2-40B4-BE49-F238E27FC236}">
+                <a16:creationId xmlns:a16="http://schemas.microsoft.com/office/drawing/2014/main" id="{8D67AD2A-B946-4DB2-B1CA-A9148230C3B3}"/>
+              </a:ext>
+            </a:extLst>
+          </p:cNvPr>
+          <p:cNvSpPr/>
+          <p:nvPr/>
+        </p:nvSpPr>
+        <p:spPr>
+          <a:xfrm>
+            <a:off x="4749237" y="3319538"/>
+            <a:ext cx="2300785" cy="577114"/>
+          </a:xfrm>
+          <a:prstGeom prst="rect">
+            <a:avLst/>
+          </a:prstGeom>
+        </p:spPr>
+        <p:style>
+          <a:lnRef idx="2">
+            <a:schemeClr val="accent2">
+              <a:shade val="50000"/>
+            </a:schemeClr>
+          </a:lnRef>
+          <a:fillRef idx="1">
+            <a:schemeClr val="accent2"/>
+          </a:fillRef>
+          <a:effectRef idx="0">
+            <a:schemeClr val="accent2"/>
+          </a:effectRef>
+          <a:fontRef idx="minor">
+            <a:schemeClr val="lt1"/>
+          </a:fontRef>
+        </p:style>
+        <p:txBody>
+          <a:bodyPr rtlCol="0" anchor="ctr"/>
+          <a:lstStyle/>
+          <a:p>
+            <a:pPr algn="ctr"/>
+            <a:r>
+              <a:rPr lang="en-US" sz="1600" dirty="0"/>
+              <a:t>Message Broker</a:t>
+            </a:r>
+          </a:p>
+          <a:p>
+            <a:pPr algn="ctr"/>
+            <a:r>
+              <a:rPr lang="en-US" sz="1200" dirty="0"/>
+              <a:t>(RabbitMQ, Kafka, </a:t>
+            </a:r>
+            <a:r>
+              <a:rPr lang="en-US" sz="1200" dirty="0" err="1"/>
+              <a:t>etc</a:t>
+            </a:r>
+            <a:r>
+              <a:rPr lang="en-US" sz="1200" dirty="0"/>
+              <a:t>)</a:t>
+            </a:r>
+          </a:p>
+        </p:txBody>
+      </p:sp>
       <p:pic>
         <p:nvPicPr>
-          <p:cNvPr id="5" name="Content Placeholder 4">
-            <a:extLst>
-              <a:ext uri="{FF2B5EF4-FFF2-40B4-BE49-F238E27FC236}">
-                <a16:creationId xmlns:a16="http://schemas.microsoft.com/office/drawing/2014/main" id="{3A3D7B76-425D-4CD2-BD5C-74BB87EDB478}"/>
+          <p:cNvPr id="8" name="Picture 7" descr="Shape&#10;&#10;Description automatically generated">
+            <a:extLst>
+              <a:ext uri="{FF2B5EF4-FFF2-40B4-BE49-F238E27FC236}">
+                <a16:creationId xmlns:a16="http://schemas.microsoft.com/office/drawing/2014/main" id="{3440A574-FD12-4AB9-831A-944892A532D7}"/>
               </a:ext>
             </a:extLst>
           </p:cNvPr>
@@ -4524,34 +4668,33 @@
           <p:nvPr/>
         </p:nvPicPr>
         <p:blipFill>
-          <a:blip r:embed="rId3"/>
+          <a:blip r:embed="rId3">
+            <a:extLst>
+              <a:ext uri="{28A0092B-C50C-407E-A947-70E740481C1C}">
+                <a14:useLocalDpi xmlns:a14="http://schemas.microsoft.com/office/drawing/2010/main" val="0"/>
+              </a:ext>
+            </a:extLst>
+          </a:blip>
           <a:stretch>
             <a:fillRect/>
           </a:stretch>
         </p:blipFill>
         <p:spPr>
           <a:xfrm>
-            <a:off x="2037061" y="1952625"/>
-            <a:ext cx="6604499" cy="2778703"/>
+            <a:off x="1637711" y="4591851"/>
+            <a:ext cx="863600" cy="863600"/>
           </a:xfrm>
           <a:prstGeom prst="rect">
             <a:avLst/>
           </a:prstGeom>
-          <a:ln>
-            <a:solidFill>
-              <a:schemeClr val="bg1">
-                <a:lumMod val="50000"/>
-              </a:schemeClr>
-            </a:solidFill>
-          </a:ln>
         </p:spPr>
       </p:pic>
       <p:pic>
         <p:nvPicPr>
-          <p:cNvPr id="6" name="Picture 5">
-            <a:extLst>
-              <a:ext uri="{FF2B5EF4-FFF2-40B4-BE49-F238E27FC236}">
-                <a16:creationId xmlns:a16="http://schemas.microsoft.com/office/drawing/2014/main" id="{B5AC7A1D-0873-4DD4-856B-710526F2B3A2}"/>
+          <p:cNvPr id="9" name="Picture 8" descr="Shape&#10;&#10;Description automatically generated">
+            <a:extLst>
+              <a:ext uri="{FF2B5EF4-FFF2-40B4-BE49-F238E27FC236}">
+                <a16:creationId xmlns:a16="http://schemas.microsoft.com/office/drawing/2014/main" id="{24006FA8-70CD-4133-B3CE-C5CC943ECDC8}"/>
               </a:ext>
             </a:extLst>
           </p:cNvPr>
@@ -4561,51 +4704,51 @@
           <p:nvPr/>
         </p:nvPicPr>
         <p:blipFill>
-          <a:blip r:embed="rId4"/>
+          <a:blip r:embed="rId3">
+            <a:extLst>
+              <a:ext uri="{28A0092B-C50C-407E-A947-70E740481C1C}">
+                <a14:useLocalDpi xmlns:a14="http://schemas.microsoft.com/office/drawing/2010/main" val="0"/>
+              </a:ext>
+            </a:extLst>
+          </a:blip>
           <a:stretch>
             <a:fillRect/>
           </a:stretch>
         </p:blipFill>
         <p:spPr>
           <a:xfrm>
-            <a:off x="2037061" y="5443616"/>
-            <a:ext cx="7213060" cy="805766"/>
+            <a:off x="9137769" y="4591851"/>
+            <a:ext cx="863600" cy="863600"/>
           </a:xfrm>
           <a:prstGeom prst="rect">
             <a:avLst/>
           </a:prstGeom>
-          <a:ln>
-            <a:solidFill>
-              <a:schemeClr val="bg1">
-                <a:lumMod val="50000"/>
-              </a:schemeClr>
-            </a:solidFill>
-          </a:ln>
         </p:spPr>
       </p:pic>
       <p:cxnSp>
         <p:nvCxnSpPr>
-          <p:cNvPr id="7" name="Straight Arrow Connector 6">
-            <a:extLst>
-              <a:ext uri="{FF2B5EF4-FFF2-40B4-BE49-F238E27FC236}">
-                <a16:creationId xmlns:a16="http://schemas.microsoft.com/office/drawing/2014/main" id="{972E0CC0-1506-4615-AE62-7EB32DA27139}"/>
+          <p:cNvPr id="11" name="Straight Arrow Connector 10">
+            <a:extLst>
+              <a:ext uri="{FF2B5EF4-FFF2-40B4-BE49-F238E27FC236}">
+                <a16:creationId xmlns:a16="http://schemas.microsoft.com/office/drawing/2014/main" id="{935782B1-1054-4AA5-81CE-5AC443E242F3}"/>
               </a:ext>
             </a:extLst>
           </p:cNvPr>
           <p:cNvCxnSpPr>
-            <a:stCxn id="5" idx="2"/>
+            <a:cxnSpLocks/>
+            <a:endCxn id="8" idx="0"/>
           </p:cNvCxnSpPr>
           <p:nvPr/>
         </p:nvCxnSpPr>
         <p:spPr>
-          <a:xfrm flipH="1">
-            <a:off x="5339310" y="4731328"/>
-            <a:ext cx="1" cy="711200"/>
+          <a:xfrm>
+            <a:off x="2065530" y="2606116"/>
+            <a:ext cx="3981" cy="1985735"/>
           </a:xfrm>
           <a:prstGeom prst="straightConnector1">
             <a:avLst/>
           </a:prstGeom>
-          <a:ln w="50800">
+          <a:ln w="38100">
             <a:solidFill>
               <a:schemeClr val="tx1"/>
             </a:solidFill>
@@ -4627,106 +4770,1772 @@
           </a:fontRef>
         </p:style>
       </p:cxnSp>
+      <p:cxnSp>
+        <p:nvCxnSpPr>
+          <p:cNvPr id="28" name="Straight Arrow Connector 27">
+            <a:extLst>
+              <a:ext uri="{FF2B5EF4-FFF2-40B4-BE49-F238E27FC236}">
+                <a16:creationId xmlns:a16="http://schemas.microsoft.com/office/drawing/2014/main" id="{95FF4C2C-B96B-4544-8317-DE1A17F3DCBD}"/>
+              </a:ext>
+            </a:extLst>
+          </p:cNvPr>
+          <p:cNvCxnSpPr>
+            <a:cxnSpLocks/>
+            <a:endCxn id="9" idx="0"/>
+          </p:cNvCxnSpPr>
+          <p:nvPr/>
+        </p:nvCxnSpPr>
+        <p:spPr>
+          <a:xfrm>
+            <a:off x="9551836" y="2616117"/>
+            <a:ext cx="17733" cy="1975734"/>
+          </a:xfrm>
+          <a:prstGeom prst="straightConnector1">
+            <a:avLst/>
+          </a:prstGeom>
+          <a:ln w="38100">
+            <a:solidFill>
+              <a:schemeClr val="tx1"/>
+            </a:solidFill>
+            <a:tailEnd type="triangle"/>
+          </a:ln>
+        </p:spPr>
+        <p:style>
+          <a:lnRef idx="1">
+            <a:schemeClr val="accent1"/>
+          </a:lnRef>
+          <a:fillRef idx="0">
+            <a:schemeClr val="accent1"/>
+          </a:fillRef>
+          <a:effectRef idx="0">
+            <a:schemeClr val="accent1"/>
+          </a:effectRef>
+          <a:fontRef idx="minor">
+            <a:schemeClr val="tx1"/>
+          </a:fontRef>
+        </p:style>
+      </p:cxnSp>
+      <p:sp>
+        <p:nvSpPr>
+          <p:cNvPr id="45" name="TextBox 44">
+            <a:extLst>
+              <a:ext uri="{FF2B5EF4-FFF2-40B4-BE49-F238E27FC236}">
+                <a16:creationId xmlns:a16="http://schemas.microsoft.com/office/drawing/2014/main" id="{2BA503EA-0865-4C5B-891F-C179489BAC98}"/>
+              </a:ext>
+            </a:extLst>
+          </p:cNvPr>
+          <p:cNvSpPr txBox="1"/>
+          <p:nvPr/>
+        </p:nvSpPr>
+        <p:spPr>
+          <a:xfrm rot="16200000">
+            <a:off x="1022748" y="3484729"/>
+            <a:ext cx="1690527" cy="369332"/>
+          </a:xfrm>
+          <a:prstGeom prst="rect">
+            <a:avLst/>
+          </a:prstGeom>
+          <a:noFill/>
+        </p:spPr>
+        <p:txBody>
+          <a:bodyPr wrap="none" rtlCol="0">
+            <a:spAutoFit/>
+          </a:bodyPr>
+          <a:lstStyle/>
+          <a:p>
+            <a:r>
+              <a:rPr lang="en-US" dirty="0"/>
+              <a:t>application data</a:t>
+            </a:r>
+          </a:p>
+        </p:txBody>
+      </p:sp>
+      <p:sp>
+        <p:nvSpPr>
+          <p:cNvPr id="46" name="TextBox 45">
+            <a:extLst>
+              <a:ext uri="{FF2B5EF4-FFF2-40B4-BE49-F238E27FC236}">
+                <a16:creationId xmlns:a16="http://schemas.microsoft.com/office/drawing/2014/main" id="{01DB1F11-1CF8-4BB4-9F28-98DD698F8E4C}"/>
+              </a:ext>
+            </a:extLst>
+          </p:cNvPr>
+          <p:cNvSpPr txBox="1"/>
+          <p:nvPr/>
+        </p:nvSpPr>
+        <p:spPr>
+          <a:xfrm rot="16200000">
+            <a:off x="8858813" y="3485594"/>
+            <a:ext cx="1690527" cy="369332"/>
+          </a:xfrm>
+          <a:prstGeom prst="rect">
+            <a:avLst/>
+          </a:prstGeom>
+          <a:noFill/>
+        </p:spPr>
+        <p:txBody>
+          <a:bodyPr wrap="none" rtlCol="0">
+            <a:spAutoFit/>
+          </a:bodyPr>
+          <a:lstStyle/>
+          <a:p>
+            <a:r>
+              <a:rPr lang="en-US" dirty="0"/>
+              <a:t>application data</a:t>
+            </a:r>
+          </a:p>
+        </p:txBody>
+      </p:sp>
+      <p:sp>
+        <p:nvSpPr>
+          <p:cNvPr id="48" name="TextBox 47">
+            <a:extLst>
+              <a:ext uri="{FF2B5EF4-FFF2-40B4-BE49-F238E27FC236}">
+                <a16:creationId xmlns:a16="http://schemas.microsoft.com/office/drawing/2014/main" id="{FC41D173-7F7B-460B-AB4F-C9B511DBEB94}"/>
+              </a:ext>
+            </a:extLst>
+          </p:cNvPr>
+          <p:cNvSpPr txBox="1"/>
+          <p:nvPr/>
+        </p:nvSpPr>
+        <p:spPr>
+          <a:xfrm>
+            <a:off x="5004504" y="4198528"/>
+            <a:ext cx="1651286" cy="830997"/>
+          </a:xfrm>
+          <a:prstGeom prst="rect">
+            <a:avLst/>
+          </a:prstGeom>
+          <a:solidFill>
+            <a:schemeClr val="bg1">
+              <a:lumMod val="85000"/>
+            </a:schemeClr>
+          </a:solidFill>
+        </p:spPr>
+        <p:txBody>
+          <a:bodyPr wrap="none" rtlCol="0">
+            <a:spAutoFit/>
+          </a:bodyPr>
+          <a:lstStyle/>
+          <a:p>
+            <a:pPr algn="ctr"/>
+            <a:r>
+              <a:rPr lang="en-US" sz="1600" dirty="0"/>
+              <a:t>re-connect</a:t>
+            </a:r>
+          </a:p>
+          <a:p>
+            <a:pPr algn="ctr"/>
+            <a:r>
+              <a:rPr lang="en-US" sz="1600" dirty="0"/>
+              <a:t>re-try</a:t>
+            </a:r>
+          </a:p>
+          <a:p>
+            <a:pPr algn="ctr"/>
+            <a:r>
+              <a:rPr lang="en-US" sz="1600" dirty="0"/>
+              <a:t>publish/subscribe</a:t>
+            </a:r>
+          </a:p>
+        </p:txBody>
+      </p:sp>
+      <p:cxnSp>
+        <p:nvCxnSpPr>
+          <p:cNvPr id="50" name="Connector: Elbow 49">
+            <a:extLst>
+              <a:ext uri="{FF2B5EF4-FFF2-40B4-BE49-F238E27FC236}">
+                <a16:creationId xmlns:a16="http://schemas.microsoft.com/office/drawing/2014/main" id="{5BDB109F-BE6E-45BE-AE0D-2CCE7D8F91E4}"/>
+              </a:ext>
+            </a:extLst>
+          </p:cNvPr>
+          <p:cNvCxnSpPr>
+            <a:endCxn id="48" idx="1"/>
+          </p:cNvCxnSpPr>
+          <p:nvPr/>
+        </p:nvCxnSpPr>
+        <p:spPr>
+          <a:xfrm rot="16200000" flipH="1">
+            <a:off x="4229734" y="3839256"/>
+            <a:ext cx="1005119" cy="544421"/>
+          </a:xfrm>
+          <a:prstGeom prst="bentConnector2">
+            <a:avLst/>
+          </a:prstGeom>
+          <a:ln w="12700">
+            <a:solidFill>
+              <a:schemeClr val="bg1">
+                <a:lumMod val="65000"/>
+              </a:schemeClr>
+            </a:solidFill>
+          </a:ln>
+        </p:spPr>
+        <p:style>
+          <a:lnRef idx="1">
+            <a:schemeClr val="accent1"/>
+          </a:lnRef>
+          <a:fillRef idx="0">
+            <a:schemeClr val="accent1"/>
+          </a:fillRef>
+          <a:effectRef idx="0">
+            <a:schemeClr val="accent1"/>
+          </a:effectRef>
+          <a:fontRef idx="minor">
+            <a:schemeClr val="tx1"/>
+          </a:fontRef>
+        </p:style>
+      </p:cxnSp>
+      <p:cxnSp>
+        <p:nvCxnSpPr>
+          <p:cNvPr id="53" name="Connector: Elbow 52">
+            <a:extLst>
+              <a:ext uri="{FF2B5EF4-FFF2-40B4-BE49-F238E27FC236}">
+                <a16:creationId xmlns:a16="http://schemas.microsoft.com/office/drawing/2014/main" id="{D0920B45-43B5-4FB7-8785-2BB680A4BF08}"/>
+              </a:ext>
+            </a:extLst>
+          </p:cNvPr>
+          <p:cNvCxnSpPr>
+            <a:endCxn id="48" idx="3"/>
+          </p:cNvCxnSpPr>
+          <p:nvPr/>
+        </p:nvCxnSpPr>
+        <p:spPr>
+          <a:xfrm rot="5400000">
+            <a:off x="6495957" y="3770799"/>
+            <a:ext cx="1003062" cy="683395"/>
+          </a:xfrm>
+          <a:prstGeom prst="bentConnector2">
+            <a:avLst/>
+          </a:prstGeom>
+          <a:ln w="12700">
+            <a:solidFill>
+              <a:schemeClr val="bg1">
+                <a:lumMod val="65000"/>
+              </a:schemeClr>
+            </a:solidFill>
+          </a:ln>
+        </p:spPr>
+        <p:style>
+          <a:lnRef idx="1">
+            <a:schemeClr val="accent1"/>
+          </a:lnRef>
+          <a:fillRef idx="0">
+            <a:schemeClr val="accent1"/>
+          </a:fillRef>
+          <a:effectRef idx="0">
+            <a:schemeClr val="accent1"/>
+          </a:effectRef>
+          <a:fontRef idx="minor">
+            <a:schemeClr val="tx1"/>
+          </a:fontRef>
+        </p:style>
+      </p:cxnSp>
+      <p:sp>
+        <p:nvSpPr>
+          <p:cNvPr id="54" name="TextBox 53">
+            <a:extLst>
+              <a:ext uri="{FF2B5EF4-FFF2-40B4-BE49-F238E27FC236}">
+                <a16:creationId xmlns:a16="http://schemas.microsoft.com/office/drawing/2014/main" id="{BC2CC65B-A2C9-4FA1-B5A7-EB9ED9E6F264}"/>
+              </a:ext>
+            </a:extLst>
+          </p:cNvPr>
+          <p:cNvSpPr txBox="1"/>
+          <p:nvPr/>
+        </p:nvSpPr>
+        <p:spPr>
+          <a:xfrm>
+            <a:off x="3286100" y="3269540"/>
+            <a:ext cx="654218" cy="338554"/>
+          </a:xfrm>
+          <a:prstGeom prst="rect">
+            <a:avLst/>
+          </a:prstGeom>
+          <a:noFill/>
+        </p:spPr>
+        <p:txBody>
+          <a:bodyPr wrap="none" rtlCol="0">
+            <a:spAutoFit/>
+          </a:bodyPr>
+          <a:lstStyle/>
+          <a:p>
+            <a:r>
+              <a:rPr lang="en-US" sz="1600" dirty="0"/>
+              <a:t>event</a:t>
+            </a:r>
+          </a:p>
+        </p:txBody>
+      </p:sp>
+      <p:cxnSp>
+        <p:nvCxnSpPr>
+          <p:cNvPr id="62" name="Connector: Elbow 61">
+            <a:extLst>
+              <a:ext uri="{FF2B5EF4-FFF2-40B4-BE49-F238E27FC236}">
+                <a16:creationId xmlns:a16="http://schemas.microsoft.com/office/drawing/2014/main" id="{282E2064-1DD3-439C-8E48-67FD5E63FEC8}"/>
+              </a:ext>
+            </a:extLst>
+          </p:cNvPr>
+          <p:cNvCxnSpPr>
+            <a:cxnSpLocks/>
+            <a:stCxn id="5" idx="2"/>
+            <a:endCxn id="7" idx="1"/>
+          </p:cNvCxnSpPr>
+          <p:nvPr/>
+        </p:nvCxnSpPr>
+        <p:spPr>
+          <a:xfrm rot="16200000" flipH="1">
+            <a:off x="3208644" y="2067501"/>
+            <a:ext cx="1000955" cy="2080231"/>
+          </a:xfrm>
+          <a:prstGeom prst="bentConnector2">
+            <a:avLst/>
+          </a:prstGeom>
+          <a:ln w="38100">
+            <a:solidFill>
+              <a:schemeClr val="tx1"/>
+            </a:solidFill>
+            <a:tailEnd type="triangle"/>
+          </a:ln>
+        </p:spPr>
+        <p:style>
+          <a:lnRef idx="1">
+            <a:schemeClr val="accent1"/>
+          </a:lnRef>
+          <a:fillRef idx="0">
+            <a:schemeClr val="accent1"/>
+          </a:fillRef>
+          <a:effectRef idx="0">
+            <a:schemeClr val="accent1"/>
+          </a:effectRef>
+          <a:fontRef idx="minor">
+            <a:schemeClr val="tx1"/>
+          </a:fontRef>
+        </p:style>
+      </p:cxnSp>
+      <p:cxnSp>
+        <p:nvCxnSpPr>
+          <p:cNvPr id="66" name="Connector: Elbow 65">
+            <a:extLst>
+              <a:ext uri="{FF2B5EF4-FFF2-40B4-BE49-F238E27FC236}">
+                <a16:creationId xmlns:a16="http://schemas.microsoft.com/office/drawing/2014/main" id="{EB49B8CF-42FC-4B6B-B2EA-34D25B2CFB09}"/>
+              </a:ext>
+            </a:extLst>
+          </p:cNvPr>
+          <p:cNvCxnSpPr>
+            <a:stCxn id="6" idx="2"/>
+            <a:endCxn id="7" idx="3"/>
+          </p:cNvCxnSpPr>
+          <p:nvPr/>
+        </p:nvCxnSpPr>
+        <p:spPr>
+          <a:xfrm rot="5400000">
+            <a:off x="7594149" y="2071991"/>
+            <a:ext cx="991978" cy="2080231"/>
+          </a:xfrm>
+          <a:prstGeom prst="bentConnector2">
+            <a:avLst/>
+          </a:prstGeom>
+          <a:ln w="38100">
+            <a:solidFill>
+              <a:schemeClr val="tx1"/>
+            </a:solidFill>
+            <a:tailEnd type="triangle"/>
+          </a:ln>
+        </p:spPr>
+        <p:style>
+          <a:lnRef idx="1">
+            <a:schemeClr val="accent1"/>
+          </a:lnRef>
+          <a:fillRef idx="0">
+            <a:schemeClr val="accent1"/>
+          </a:fillRef>
+          <a:effectRef idx="0">
+            <a:schemeClr val="accent1"/>
+          </a:effectRef>
+          <a:fontRef idx="minor">
+            <a:schemeClr val="tx1"/>
+          </a:fontRef>
+        </p:style>
+      </p:cxnSp>
+      <p:sp>
+        <p:nvSpPr>
+          <p:cNvPr id="67" name="TextBox 66">
+            <a:extLst>
+              <a:ext uri="{FF2B5EF4-FFF2-40B4-BE49-F238E27FC236}">
+                <a16:creationId xmlns:a16="http://schemas.microsoft.com/office/drawing/2014/main" id="{F74F45EF-F193-43F3-8580-697B6E063577}"/>
+              </a:ext>
+            </a:extLst>
+          </p:cNvPr>
+          <p:cNvSpPr txBox="1"/>
+          <p:nvPr/>
+        </p:nvSpPr>
+        <p:spPr>
+          <a:xfrm>
+            <a:off x="3136717" y="5264289"/>
+            <a:ext cx="5386859" cy="707886"/>
+          </a:xfrm>
+          <a:prstGeom prst="rect">
+            <a:avLst/>
+          </a:prstGeom>
+          <a:noFill/>
+        </p:spPr>
+        <p:txBody>
+          <a:bodyPr wrap="none" rtlCol="0">
+            <a:spAutoFit/>
+          </a:bodyPr>
+          <a:lstStyle/>
+          <a:p>
+            <a:r>
+              <a:rPr lang="en-US" sz="4000" dirty="0">
+                <a:solidFill>
+                  <a:srgbClr val="FF0000"/>
+                </a:solidFill>
+              </a:rPr>
+              <a:t>the transaction problem!</a:t>
+            </a:r>
+          </a:p>
+        </p:txBody>
+      </p:sp>
     </p:spTree>
     <p:extLst>
       <p:ext uri="{BB962C8B-B14F-4D97-AF65-F5344CB8AC3E}">
-        <p14:creationId xmlns:p14="http://schemas.microsoft.com/office/powerpoint/2010/main" val="502460835"/>
+        <p14:creationId xmlns:p14="http://schemas.microsoft.com/office/powerpoint/2010/main" val="1877400763"/>
       </p:ext>
     </p:extLst>
   </p:cSld>
   <p:clrMapOvr>
     <a:masterClrMapping/>
   </p:clrMapOvr>
-  <p:timing>
-    <p:tnLst>
-      <p:par>
-        <p:cTn id="1" dur="indefinite" restart="never" nodeType="tmRoot">
-          <p:childTnLst>
-            <p:seq concurrent="1" nextAc="seek">
-              <p:cTn id="2" dur="indefinite" nodeType="mainSeq">
-                <p:childTnLst>
-                  <p:par>
-                    <p:cTn id="3" fill="hold">
-                      <p:stCondLst>
-                        <p:cond delay="indefinite"/>
-                        <p:cond evt="onBegin" delay="0">
-                          <p:tn val="2"/>
-                        </p:cond>
-                      </p:stCondLst>
-                      <p:childTnLst>
-                        <p:par>
-                          <p:cTn id="4" fill="hold">
-                            <p:stCondLst>
-                              <p:cond delay="0"/>
-                            </p:stCondLst>
-                            <p:childTnLst>
-                              <p:par>
-                                <p:cTn id="5" presetID="10" presetClass="entr" presetSubtype="0" fill="hold" nodeType="withEffect">
-                                  <p:stCondLst>
-                                    <p:cond delay="0"/>
-                                  </p:stCondLst>
-                                  <p:childTnLst>
-                                    <p:set>
-                                      <p:cBhvr>
-                                        <p:cTn id="6" dur="1" fill="hold">
-                                          <p:stCondLst>
-                                            <p:cond delay="0"/>
-                                          </p:stCondLst>
-                                        </p:cTn>
-                                        <p:tgtEl>
-                                          <p:spTgt spid="6"/>
-                                        </p:tgtEl>
-                                        <p:attrNameLst>
-                                          <p:attrName>style.visibility</p:attrName>
-                                        </p:attrNameLst>
-                                      </p:cBhvr>
-                                      <p:to>
-                                        <p:strVal val="visible"/>
-                                      </p:to>
-                                    </p:set>
-                                    <p:animEffect transition="in" filter="fade">
-                                      <p:cBhvr>
-                                        <p:cTn id="7" dur="500"/>
-                                        <p:tgtEl>
-                                          <p:spTgt spid="6"/>
-                                        </p:tgtEl>
-                                      </p:cBhvr>
-                                    </p:animEffect>
-                                  </p:childTnLst>
-                                </p:cTn>
-                              </p:par>
-                            </p:childTnLst>
-                          </p:cTn>
-                        </p:par>
-                      </p:childTnLst>
-                    </p:cTn>
-                  </p:par>
-                </p:childTnLst>
-              </p:cTn>
-              <p:prevCondLst>
-                <p:cond evt="onPrev" delay="0">
-                  <p:tgtEl>
-                    <p:sldTgt/>
-                  </p:tgtEl>
-                </p:cond>
-              </p:prevCondLst>
-              <p:nextCondLst>
-                <p:cond evt="onNext" delay="0">
-                  <p:tgtEl>
-                    <p:sldTgt/>
-                  </p:tgtEl>
-                </p:cond>
-              </p:nextCondLst>
-            </p:seq>
-          </p:childTnLst>
-        </p:cTn>
-      </p:par>
-    </p:tnLst>
-  </p:timing>
 </p:sld>
 </file>
 
 <file path=ppt/slides/slide14.xml><?xml version="1.0" encoding="utf-8"?>
+<p:sld xmlns:a="http://schemas.openxmlformats.org/drawingml/2006/main" xmlns:r="http://schemas.openxmlformats.org/officeDocument/2006/relationships" xmlns:p="http://schemas.openxmlformats.org/presentationml/2006/main">
+  <p:cSld>
+    <p:bg>
+      <p:bgPr>
+        <a:blipFill dpi="0" rotWithShape="1">
+          <a:blip r:embed="rId2">
+            <a:lum/>
+          </a:blip>
+          <a:srcRect/>
+          <a:stretch>
+            <a:fillRect/>
+          </a:stretch>
+        </a:blipFill>
+        <a:effectLst/>
+      </p:bgPr>
+    </p:bg>
+    <p:spTree>
+      <p:nvGrpSpPr>
+        <p:cNvPr id="1" name=""/>
+        <p:cNvGrpSpPr/>
+        <p:nvPr/>
+      </p:nvGrpSpPr>
+      <p:grpSpPr>
+        <a:xfrm>
+          <a:off x="0" y="0"/>
+          <a:ext cx="0" cy="0"/>
+          <a:chOff x="0" y="0"/>
+          <a:chExt cx="0" cy="0"/>
+        </a:xfrm>
+      </p:grpSpPr>
+      <p:sp>
+        <p:nvSpPr>
+          <p:cNvPr id="2" name="Başlık 1">
+            <a:extLst>
+              <a:ext uri="{FF2B5EF4-FFF2-40B4-BE49-F238E27FC236}">
+                <a16:creationId xmlns:a16="http://schemas.microsoft.com/office/drawing/2014/main" id="{FC0E68DA-A67F-4697-854D-AE37C5BA5BFA}"/>
+              </a:ext>
+            </a:extLst>
+          </p:cNvPr>
+          <p:cNvSpPr>
+            <a:spLocks noGrp="1"/>
+          </p:cNvSpPr>
+          <p:nvPr>
+            <p:ph type="ctrTitle"/>
+          </p:nvPr>
+        </p:nvSpPr>
+        <p:spPr>
+          <a:xfrm>
+            <a:off x="952500" y="885825"/>
+            <a:ext cx="10287000" cy="1066800"/>
+          </a:xfrm>
+        </p:spPr>
+        <p:txBody>
+          <a:bodyPr anchor="ctr">
+            <a:normAutofit/>
+          </a:bodyPr>
+          <a:lstStyle/>
+          <a:p>
+            <a:pPr algn="l"/>
+            <a:r>
+              <a:rPr lang="en-US" sz="4000" dirty="0">
+                <a:solidFill>
+                  <a:srgbClr val="44013C"/>
+                </a:solidFill>
+                <a:latin typeface="Segoe UI Semibold" panose="020B0702040204020203" pitchFamily="34" charset="0"/>
+                <a:cs typeface="Segoe UI Semibold" panose="020B0702040204020203" pitchFamily="34" charset="0"/>
+              </a:rPr>
+              <a:t>Inter-microservice messaging with ABP</a:t>
+            </a:r>
+            <a:endParaRPr lang="tr-TR" sz="4000" dirty="0">
+              <a:solidFill>
+                <a:srgbClr val="44013C"/>
+              </a:solidFill>
+            </a:endParaRPr>
+          </a:p>
+        </p:txBody>
+      </p:sp>
+      <p:sp>
+        <p:nvSpPr>
+          <p:cNvPr id="5" name="Rectangle 4">
+            <a:extLst>
+              <a:ext uri="{FF2B5EF4-FFF2-40B4-BE49-F238E27FC236}">
+                <a16:creationId xmlns:a16="http://schemas.microsoft.com/office/drawing/2014/main" id="{1892FD6B-79D4-4A03-BFFA-7F685BF25C41}"/>
+              </a:ext>
+            </a:extLst>
+          </p:cNvPr>
+          <p:cNvSpPr/>
+          <p:nvPr/>
+        </p:nvSpPr>
+        <p:spPr>
+          <a:xfrm>
+            <a:off x="1518613" y="2289874"/>
+            <a:ext cx="2300785" cy="317266"/>
+          </a:xfrm>
+          <a:prstGeom prst="rect">
+            <a:avLst/>
+          </a:prstGeom>
+        </p:spPr>
+        <p:style>
+          <a:lnRef idx="2">
+            <a:schemeClr val="accent1">
+              <a:shade val="50000"/>
+            </a:schemeClr>
+          </a:lnRef>
+          <a:fillRef idx="1">
+            <a:schemeClr val="accent1"/>
+          </a:fillRef>
+          <a:effectRef idx="0">
+            <a:schemeClr val="accent1"/>
+          </a:effectRef>
+          <a:fontRef idx="minor">
+            <a:schemeClr val="lt1"/>
+          </a:fontRef>
+        </p:style>
+        <p:txBody>
+          <a:bodyPr rtlCol="0" anchor="ctr"/>
+          <a:lstStyle/>
+          <a:p>
+            <a:pPr algn="ctr"/>
+            <a:r>
+              <a:rPr lang="en-US" sz="1600" dirty="0"/>
+              <a:t>Microservice A</a:t>
+            </a:r>
+          </a:p>
+        </p:txBody>
+      </p:sp>
+      <p:sp>
+        <p:nvSpPr>
+          <p:cNvPr id="6" name="Rectangle 5">
+            <a:extLst>
+              <a:ext uri="{FF2B5EF4-FFF2-40B4-BE49-F238E27FC236}">
+                <a16:creationId xmlns:a16="http://schemas.microsoft.com/office/drawing/2014/main" id="{6A579E90-F20C-4CE9-BA0B-8B010FEBF154}"/>
+              </a:ext>
+            </a:extLst>
+          </p:cNvPr>
+          <p:cNvSpPr/>
+          <p:nvPr/>
+        </p:nvSpPr>
+        <p:spPr>
+          <a:xfrm>
+            <a:off x="7979860" y="2298851"/>
+            <a:ext cx="2300785" cy="317266"/>
+          </a:xfrm>
+          <a:prstGeom prst="rect">
+            <a:avLst/>
+          </a:prstGeom>
+        </p:spPr>
+        <p:style>
+          <a:lnRef idx="2">
+            <a:schemeClr val="accent1">
+              <a:shade val="50000"/>
+            </a:schemeClr>
+          </a:lnRef>
+          <a:fillRef idx="1">
+            <a:schemeClr val="accent1"/>
+          </a:fillRef>
+          <a:effectRef idx="0">
+            <a:schemeClr val="accent1"/>
+          </a:effectRef>
+          <a:fontRef idx="minor">
+            <a:schemeClr val="lt1"/>
+          </a:fontRef>
+        </p:style>
+        <p:txBody>
+          <a:bodyPr rtlCol="0" anchor="ctr"/>
+          <a:lstStyle/>
+          <a:p>
+            <a:pPr algn="ctr"/>
+            <a:r>
+              <a:rPr lang="en-US" sz="1600" dirty="0"/>
+              <a:t>Microservice B</a:t>
+            </a:r>
+          </a:p>
+        </p:txBody>
+      </p:sp>
+      <p:sp>
+        <p:nvSpPr>
+          <p:cNvPr id="7" name="Rectangle 6">
+            <a:extLst>
+              <a:ext uri="{FF2B5EF4-FFF2-40B4-BE49-F238E27FC236}">
+                <a16:creationId xmlns:a16="http://schemas.microsoft.com/office/drawing/2014/main" id="{8D67AD2A-B946-4DB2-B1CA-A9148230C3B3}"/>
+              </a:ext>
+            </a:extLst>
+          </p:cNvPr>
+          <p:cNvSpPr/>
+          <p:nvPr/>
+        </p:nvSpPr>
+        <p:spPr>
+          <a:xfrm>
+            <a:off x="4749237" y="3319538"/>
+            <a:ext cx="2300785" cy="577114"/>
+          </a:xfrm>
+          <a:prstGeom prst="rect">
+            <a:avLst/>
+          </a:prstGeom>
+        </p:spPr>
+        <p:style>
+          <a:lnRef idx="2">
+            <a:schemeClr val="accent2">
+              <a:shade val="50000"/>
+            </a:schemeClr>
+          </a:lnRef>
+          <a:fillRef idx="1">
+            <a:schemeClr val="accent2"/>
+          </a:fillRef>
+          <a:effectRef idx="0">
+            <a:schemeClr val="accent2"/>
+          </a:effectRef>
+          <a:fontRef idx="minor">
+            <a:schemeClr val="lt1"/>
+          </a:fontRef>
+        </p:style>
+        <p:txBody>
+          <a:bodyPr rtlCol="0" anchor="ctr"/>
+          <a:lstStyle/>
+          <a:p>
+            <a:pPr algn="ctr"/>
+            <a:r>
+              <a:rPr lang="en-US" sz="1600" dirty="0"/>
+              <a:t>Message Broker</a:t>
+            </a:r>
+          </a:p>
+          <a:p>
+            <a:pPr algn="ctr"/>
+            <a:r>
+              <a:rPr lang="en-US" sz="1200" dirty="0"/>
+              <a:t>(RabbitMQ, Kafka, </a:t>
+            </a:r>
+            <a:r>
+              <a:rPr lang="en-US" sz="1200" dirty="0" err="1"/>
+              <a:t>etc</a:t>
+            </a:r>
+            <a:r>
+              <a:rPr lang="en-US" sz="1200" dirty="0"/>
+              <a:t>)</a:t>
+            </a:r>
+          </a:p>
+        </p:txBody>
+      </p:sp>
+      <p:pic>
+        <p:nvPicPr>
+          <p:cNvPr id="8" name="Picture 7" descr="Shape&#10;&#10;Description automatically generated">
+            <a:extLst>
+              <a:ext uri="{FF2B5EF4-FFF2-40B4-BE49-F238E27FC236}">
+                <a16:creationId xmlns:a16="http://schemas.microsoft.com/office/drawing/2014/main" id="{3440A574-FD12-4AB9-831A-944892A532D7}"/>
+              </a:ext>
+            </a:extLst>
+          </p:cNvPr>
+          <p:cNvPicPr>
+            <a:picLocks noChangeAspect="1"/>
+          </p:cNvPicPr>
+          <p:nvPr/>
+        </p:nvPicPr>
+        <p:blipFill>
+          <a:blip r:embed="rId3">
+            <a:extLst>
+              <a:ext uri="{28A0092B-C50C-407E-A947-70E740481C1C}">
+                <a14:useLocalDpi xmlns:a14="http://schemas.microsoft.com/office/drawing/2010/main" val="0"/>
+              </a:ext>
+            </a:extLst>
+          </a:blip>
+          <a:stretch>
+            <a:fillRect/>
+          </a:stretch>
+        </p:blipFill>
+        <p:spPr>
+          <a:xfrm>
+            <a:off x="1637711" y="4591851"/>
+            <a:ext cx="863600" cy="863600"/>
+          </a:xfrm>
+          <a:prstGeom prst="rect">
+            <a:avLst/>
+          </a:prstGeom>
+        </p:spPr>
+      </p:pic>
+      <p:pic>
+        <p:nvPicPr>
+          <p:cNvPr id="9" name="Picture 8" descr="Shape&#10;&#10;Description automatically generated">
+            <a:extLst>
+              <a:ext uri="{FF2B5EF4-FFF2-40B4-BE49-F238E27FC236}">
+                <a16:creationId xmlns:a16="http://schemas.microsoft.com/office/drawing/2014/main" id="{24006FA8-70CD-4133-B3CE-C5CC943ECDC8}"/>
+              </a:ext>
+            </a:extLst>
+          </p:cNvPr>
+          <p:cNvPicPr>
+            <a:picLocks noChangeAspect="1"/>
+          </p:cNvPicPr>
+          <p:nvPr/>
+        </p:nvPicPr>
+        <p:blipFill>
+          <a:blip r:embed="rId3">
+            <a:extLst>
+              <a:ext uri="{28A0092B-C50C-407E-A947-70E740481C1C}">
+                <a14:useLocalDpi xmlns:a14="http://schemas.microsoft.com/office/drawing/2010/main" val="0"/>
+              </a:ext>
+            </a:extLst>
+          </a:blip>
+          <a:stretch>
+            <a:fillRect/>
+          </a:stretch>
+        </p:blipFill>
+        <p:spPr>
+          <a:xfrm>
+            <a:off x="9137769" y="4591851"/>
+            <a:ext cx="863600" cy="863600"/>
+          </a:xfrm>
+          <a:prstGeom prst="rect">
+            <a:avLst/>
+          </a:prstGeom>
+        </p:spPr>
+      </p:pic>
+      <p:sp>
+        <p:nvSpPr>
+          <p:cNvPr id="10" name="Rectangle 9">
+            <a:extLst>
+              <a:ext uri="{FF2B5EF4-FFF2-40B4-BE49-F238E27FC236}">
+                <a16:creationId xmlns:a16="http://schemas.microsoft.com/office/drawing/2014/main" id="{39E397E2-0BDC-4DA3-B4C2-C79AF049E1CA}"/>
+              </a:ext>
+            </a:extLst>
+          </p:cNvPr>
+          <p:cNvSpPr/>
+          <p:nvPr/>
+        </p:nvSpPr>
+        <p:spPr>
+          <a:xfrm>
+            <a:off x="2669006" y="3387917"/>
+            <a:ext cx="1501942" cy="432134"/>
+          </a:xfrm>
+          <a:prstGeom prst="rect">
+            <a:avLst/>
+          </a:prstGeom>
+        </p:spPr>
+        <p:style>
+          <a:lnRef idx="2">
+            <a:schemeClr val="accent6">
+              <a:shade val="50000"/>
+            </a:schemeClr>
+          </a:lnRef>
+          <a:fillRef idx="1">
+            <a:schemeClr val="accent6"/>
+          </a:fillRef>
+          <a:effectRef idx="0">
+            <a:schemeClr val="accent6"/>
+          </a:effectRef>
+          <a:fontRef idx="minor">
+            <a:schemeClr val="lt1"/>
+          </a:fontRef>
+        </p:style>
+        <p:txBody>
+          <a:bodyPr rtlCol="0" anchor="ctr"/>
+          <a:lstStyle/>
+          <a:p>
+            <a:pPr algn="ctr"/>
+            <a:r>
+              <a:rPr lang="en-US" sz="1600" dirty="0"/>
+              <a:t>ABP Event Bus</a:t>
+            </a:r>
+            <a:endParaRPr lang="en-US" sz="1400" dirty="0"/>
+          </a:p>
+        </p:txBody>
+      </p:sp>
+      <p:cxnSp>
+        <p:nvCxnSpPr>
+          <p:cNvPr id="11" name="Straight Arrow Connector 10">
+            <a:extLst>
+              <a:ext uri="{FF2B5EF4-FFF2-40B4-BE49-F238E27FC236}">
+                <a16:creationId xmlns:a16="http://schemas.microsoft.com/office/drawing/2014/main" id="{935782B1-1054-4AA5-81CE-5AC443E242F3}"/>
+              </a:ext>
+            </a:extLst>
+          </p:cNvPr>
+          <p:cNvCxnSpPr>
+            <a:cxnSpLocks/>
+            <a:endCxn id="8" idx="0"/>
+          </p:cNvCxnSpPr>
+          <p:nvPr/>
+        </p:nvCxnSpPr>
+        <p:spPr>
+          <a:xfrm>
+            <a:off x="2065530" y="2606116"/>
+            <a:ext cx="3981" cy="1985735"/>
+          </a:xfrm>
+          <a:prstGeom prst="straightConnector1">
+            <a:avLst/>
+          </a:prstGeom>
+          <a:ln w="38100">
+            <a:solidFill>
+              <a:schemeClr val="tx1"/>
+            </a:solidFill>
+            <a:tailEnd type="triangle"/>
+          </a:ln>
+        </p:spPr>
+        <p:style>
+          <a:lnRef idx="1">
+            <a:schemeClr val="accent1"/>
+          </a:lnRef>
+          <a:fillRef idx="0">
+            <a:schemeClr val="accent1"/>
+          </a:fillRef>
+          <a:effectRef idx="0">
+            <a:schemeClr val="accent1"/>
+          </a:effectRef>
+          <a:fontRef idx="minor">
+            <a:schemeClr val="tx1"/>
+          </a:fontRef>
+        </p:style>
+      </p:cxnSp>
+      <p:cxnSp>
+        <p:nvCxnSpPr>
+          <p:cNvPr id="13" name="Straight Arrow Connector 12">
+            <a:extLst>
+              <a:ext uri="{FF2B5EF4-FFF2-40B4-BE49-F238E27FC236}">
+                <a16:creationId xmlns:a16="http://schemas.microsoft.com/office/drawing/2014/main" id="{0C3A2100-E02B-4957-BD91-EA2C681F0407}"/>
+              </a:ext>
+            </a:extLst>
+          </p:cNvPr>
+          <p:cNvCxnSpPr/>
+          <p:nvPr/>
+        </p:nvCxnSpPr>
+        <p:spPr>
+          <a:xfrm>
+            <a:off x="3064043" y="2606116"/>
+            <a:ext cx="0" cy="781801"/>
+          </a:xfrm>
+          <a:prstGeom prst="straightConnector1">
+            <a:avLst/>
+          </a:prstGeom>
+          <a:ln w="38100">
+            <a:solidFill>
+              <a:schemeClr val="tx1"/>
+            </a:solidFill>
+            <a:tailEnd type="triangle"/>
+          </a:ln>
+        </p:spPr>
+        <p:style>
+          <a:lnRef idx="1">
+            <a:schemeClr val="accent1"/>
+          </a:lnRef>
+          <a:fillRef idx="0">
+            <a:schemeClr val="accent1"/>
+          </a:fillRef>
+          <a:effectRef idx="0">
+            <a:schemeClr val="accent1"/>
+          </a:effectRef>
+          <a:fontRef idx="minor">
+            <a:schemeClr val="tx1"/>
+          </a:fontRef>
+        </p:style>
+      </p:cxnSp>
+      <p:cxnSp>
+        <p:nvCxnSpPr>
+          <p:cNvPr id="15" name="Connector: Elbow 14">
+            <a:extLst>
+              <a:ext uri="{FF2B5EF4-FFF2-40B4-BE49-F238E27FC236}">
+                <a16:creationId xmlns:a16="http://schemas.microsoft.com/office/drawing/2014/main" id="{FD51816E-9B1B-4812-AFBC-192B7D4D4AF1}"/>
+              </a:ext>
+            </a:extLst>
+          </p:cNvPr>
+          <p:cNvCxnSpPr>
+            <a:cxnSpLocks/>
+            <a:stCxn id="10" idx="2"/>
+            <a:endCxn id="8" idx="3"/>
+          </p:cNvCxnSpPr>
+          <p:nvPr/>
+        </p:nvCxnSpPr>
+        <p:spPr>
+          <a:xfrm rot="5400000">
+            <a:off x="2358844" y="3962518"/>
+            <a:ext cx="1203600" cy="918666"/>
+          </a:xfrm>
+          <a:prstGeom prst="bentConnector2">
+            <a:avLst/>
+          </a:prstGeom>
+          <a:ln w="38100">
+            <a:solidFill>
+              <a:schemeClr val="tx1"/>
+            </a:solidFill>
+            <a:headEnd type="triangle"/>
+            <a:tailEnd type="triangle"/>
+          </a:ln>
+        </p:spPr>
+        <p:style>
+          <a:lnRef idx="1">
+            <a:schemeClr val="accent1"/>
+          </a:lnRef>
+          <a:fillRef idx="0">
+            <a:schemeClr val="accent1"/>
+          </a:fillRef>
+          <a:effectRef idx="0">
+            <a:schemeClr val="accent1"/>
+          </a:effectRef>
+          <a:fontRef idx="minor">
+            <a:schemeClr val="tx1"/>
+          </a:fontRef>
+        </p:style>
+      </p:cxnSp>
+      <p:cxnSp>
+        <p:nvCxnSpPr>
+          <p:cNvPr id="17" name="Straight Arrow Connector 16">
+            <a:extLst>
+              <a:ext uri="{FF2B5EF4-FFF2-40B4-BE49-F238E27FC236}">
+                <a16:creationId xmlns:a16="http://schemas.microsoft.com/office/drawing/2014/main" id="{36A5CD7A-5194-4078-ABB2-FDA8F5295DDF}"/>
+              </a:ext>
+            </a:extLst>
+          </p:cNvPr>
+          <p:cNvCxnSpPr>
+            <a:cxnSpLocks/>
+            <a:stCxn id="10" idx="3"/>
+            <a:endCxn id="7" idx="1"/>
+          </p:cNvCxnSpPr>
+          <p:nvPr/>
+        </p:nvCxnSpPr>
+        <p:spPr>
+          <a:xfrm>
+            <a:off x="4170948" y="3603984"/>
+            <a:ext cx="578289" cy="4111"/>
+          </a:xfrm>
+          <a:prstGeom prst="straightConnector1">
+            <a:avLst/>
+          </a:prstGeom>
+          <a:ln w="38100">
+            <a:solidFill>
+              <a:schemeClr val="tx1"/>
+            </a:solidFill>
+            <a:headEnd type="triangle"/>
+            <a:tailEnd type="triangle"/>
+          </a:ln>
+        </p:spPr>
+        <p:style>
+          <a:lnRef idx="1">
+            <a:schemeClr val="accent1"/>
+          </a:lnRef>
+          <a:fillRef idx="0">
+            <a:schemeClr val="accent1"/>
+          </a:fillRef>
+          <a:effectRef idx="0">
+            <a:schemeClr val="accent1"/>
+          </a:effectRef>
+          <a:fontRef idx="minor">
+            <a:schemeClr val="tx1"/>
+          </a:fontRef>
+        </p:style>
+      </p:cxnSp>
+      <p:sp>
+        <p:nvSpPr>
+          <p:cNvPr id="23" name="Rectangle 22">
+            <a:extLst>
+              <a:ext uri="{FF2B5EF4-FFF2-40B4-BE49-F238E27FC236}">
+                <a16:creationId xmlns:a16="http://schemas.microsoft.com/office/drawing/2014/main" id="{903A1C7D-88AB-4597-A7E3-95AB0E0866AE}"/>
+              </a:ext>
+            </a:extLst>
+          </p:cNvPr>
+          <p:cNvSpPr/>
+          <p:nvPr/>
+        </p:nvSpPr>
+        <p:spPr>
+          <a:xfrm>
+            <a:off x="7628311" y="3353301"/>
+            <a:ext cx="1501942" cy="432134"/>
+          </a:xfrm>
+          <a:prstGeom prst="rect">
+            <a:avLst/>
+          </a:prstGeom>
+        </p:spPr>
+        <p:style>
+          <a:lnRef idx="2">
+            <a:schemeClr val="accent6">
+              <a:shade val="50000"/>
+            </a:schemeClr>
+          </a:lnRef>
+          <a:fillRef idx="1">
+            <a:schemeClr val="accent6"/>
+          </a:fillRef>
+          <a:effectRef idx="0">
+            <a:schemeClr val="accent6"/>
+          </a:effectRef>
+          <a:fontRef idx="minor">
+            <a:schemeClr val="lt1"/>
+          </a:fontRef>
+        </p:style>
+        <p:txBody>
+          <a:bodyPr rtlCol="0" anchor="ctr"/>
+          <a:lstStyle/>
+          <a:p>
+            <a:pPr algn="ctr"/>
+            <a:r>
+              <a:rPr lang="en-US" sz="1600" dirty="0"/>
+              <a:t>ABP Event Bus</a:t>
+            </a:r>
+            <a:endParaRPr lang="en-US" sz="1400" dirty="0"/>
+          </a:p>
+        </p:txBody>
+      </p:sp>
+      <p:cxnSp>
+        <p:nvCxnSpPr>
+          <p:cNvPr id="24" name="Straight Arrow Connector 23">
+            <a:extLst>
+              <a:ext uri="{FF2B5EF4-FFF2-40B4-BE49-F238E27FC236}">
+                <a16:creationId xmlns:a16="http://schemas.microsoft.com/office/drawing/2014/main" id="{D441E632-1CE2-4B00-8488-82B4AE7EA82A}"/>
+              </a:ext>
+            </a:extLst>
+          </p:cNvPr>
+          <p:cNvCxnSpPr>
+            <a:cxnSpLocks/>
+          </p:cNvCxnSpPr>
+          <p:nvPr/>
+        </p:nvCxnSpPr>
+        <p:spPr>
+          <a:xfrm>
+            <a:off x="7050022" y="3611403"/>
+            <a:ext cx="578289" cy="4111"/>
+          </a:xfrm>
+          <a:prstGeom prst="straightConnector1">
+            <a:avLst/>
+          </a:prstGeom>
+          <a:ln w="38100">
+            <a:solidFill>
+              <a:schemeClr val="tx1"/>
+            </a:solidFill>
+            <a:headEnd type="triangle"/>
+            <a:tailEnd type="triangle"/>
+          </a:ln>
+        </p:spPr>
+        <p:style>
+          <a:lnRef idx="1">
+            <a:schemeClr val="accent1"/>
+          </a:lnRef>
+          <a:fillRef idx="0">
+            <a:schemeClr val="accent1"/>
+          </a:fillRef>
+          <a:effectRef idx="0">
+            <a:schemeClr val="accent1"/>
+          </a:effectRef>
+          <a:fontRef idx="minor">
+            <a:schemeClr val="tx1"/>
+          </a:fontRef>
+        </p:style>
+      </p:cxnSp>
+      <p:cxnSp>
+        <p:nvCxnSpPr>
+          <p:cNvPr id="26" name="Straight Arrow Connector 25">
+            <a:extLst>
+              <a:ext uri="{FF2B5EF4-FFF2-40B4-BE49-F238E27FC236}">
+                <a16:creationId xmlns:a16="http://schemas.microsoft.com/office/drawing/2014/main" id="{BD5B5D09-3F83-4B1B-98A5-0D080CF04738}"/>
+              </a:ext>
+            </a:extLst>
+          </p:cNvPr>
+          <p:cNvCxnSpPr/>
+          <p:nvPr/>
+        </p:nvCxnSpPr>
+        <p:spPr>
+          <a:xfrm>
+            <a:off x="8538411" y="2616117"/>
+            <a:ext cx="0" cy="737184"/>
+          </a:xfrm>
+          <a:prstGeom prst="straightConnector1">
+            <a:avLst/>
+          </a:prstGeom>
+          <a:ln w="38100">
+            <a:solidFill>
+              <a:schemeClr val="tx1"/>
+            </a:solidFill>
+            <a:tailEnd type="triangle"/>
+          </a:ln>
+        </p:spPr>
+        <p:style>
+          <a:lnRef idx="1">
+            <a:schemeClr val="accent1"/>
+          </a:lnRef>
+          <a:fillRef idx="0">
+            <a:schemeClr val="accent1"/>
+          </a:fillRef>
+          <a:effectRef idx="0">
+            <a:schemeClr val="accent1"/>
+          </a:effectRef>
+          <a:fontRef idx="minor">
+            <a:schemeClr val="tx1"/>
+          </a:fontRef>
+        </p:style>
+      </p:cxnSp>
+      <p:cxnSp>
+        <p:nvCxnSpPr>
+          <p:cNvPr id="28" name="Straight Arrow Connector 27">
+            <a:extLst>
+              <a:ext uri="{FF2B5EF4-FFF2-40B4-BE49-F238E27FC236}">
+                <a16:creationId xmlns:a16="http://schemas.microsoft.com/office/drawing/2014/main" id="{95FF4C2C-B96B-4544-8317-DE1A17F3DCBD}"/>
+              </a:ext>
+            </a:extLst>
+          </p:cNvPr>
+          <p:cNvCxnSpPr>
+            <a:cxnSpLocks/>
+            <a:endCxn id="9" idx="0"/>
+          </p:cNvCxnSpPr>
+          <p:nvPr/>
+        </p:nvCxnSpPr>
+        <p:spPr>
+          <a:xfrm>
+            <a:off x="9551836" y="2616117"/>
+            <a:ext cx="17733" cy="1975734"/>
+          </a:xfrm>
+          <a:prstGeom prst="straightConnector1">
+            <a:avLst/>
+          </a:prstGeom>
+          <a:ln w="38100">
+            <a:solidFill>
+              <a:schemeClr val="tx1"/>
+            </a:solidFill>
+            <a:tailEnd type="triangle"/>
+          </a:ln>
+        </p:spPr>
+        <p:style>
+          <a:lnRef idx="1">
+            <a:schemeClr val="accent1"/>
+          </a:lnRef>
+          <a:fillRef idx="0">
+            <a:schemeClr val="accent1"/>
+          </a:fillRef>
+          <a:effectRef idx="0">
+            <a:schemeClr val="accent1"/>
+          </a:effectRef>
+          <a:fontRef idx="minor">
+            <a:schemeClr val="tx1"/>
+          </a:fontRef>
+        </p:style>
+      </p:cxnSp>
+      <p:cxnSp>
+        <p:nvCxnSpPr>
+          <p:cNvPr id="32" name="Connector: Elbow 31">
+            <a:extLst>
+              <a:ext uri="{FF2B5EF4-FFF2-40B4-BE49-F238E27FC236}">
+                <a16:creationId xmlns:a16="http://schemas.microsoft.com/office/drawing/2014/main" id="{3A74244E-D531-4258-8CA1-64D09F732685}"/>
+              </a:ext>
+            </a:extLst>
+          </p:cNvPr>
+          <p:cNvCxnSpPr>
+            <a:stCxn id="9" idx="1"/>
+            <a:endCxn id="23" idx="2"/>
+          </p:cNvCxnSpPr>
+          <p:nvPr/>
+        </p:nvCxnSpPr>
+        <p:spPr>
+          <a:xfrm rot="10800000">
+            <a:off x="8379283" y="3785435"/>
+            <a:ext cx="758487" cy="1238216"/>
+          </a:xfrm>
+          <a:prstGeom prst="bentConnector2">
+            <a:avLst/>
+          </a:prstGeom>
+          <a:ln w="38100">
+            <a:solidFill>
+              <a:schemeClr val="tx1"/>
+            </a:solidFill>
+            <a:headEnd type="triangle"/>
+            <a:tailEnd type="triangle"/>
+          </a:ln>
+        </p:spPr>
+        <p:style>
+          <a:lnRef idx="1">
+            <a:schemeClr val="accent1"/>
+          </a:lnRef>
+          <a:fillRef idx="0">
+            <a:schemeClr val="accent1"/>
+          </a:fillRef>
+          <a:effectRef idx="0">
+            <a:schemeClr val="accent1"/>
+          </a:effectRef>
+          <a:fontRef idx="minor">
+            <a:schemeClr val="tx1"/>
+          </a:fontRef>
+        </p:style>
+      </p:cxnSp>
+      <p:sp>
+        <p:nvSpPr>
+          <p:cNvPr id="44" name="TextBox 43">
+            <a:extLst>
+              <a:ext uri="{FF2B5EF4-FFF2-40B4-BE49-F238E27FC236}">
+                <a16:creationId xmlns:a16="http://schemas.microsoft.com/office/drawing/2014/main" id="{F3202B75-1AEB-4E3C-9583-251A9A7F2D7D}"/>
+              </a:ext>
+            </a:extLst>
+          </p:cNvPr>
+          <p:cNvSpPr txBox="1"/>
+          <p:nvPr/>
+        </p:nvSpPr>
+        <p:spPr>
+          <a:xfrm>
+            <a:off x="2452048" y="5034074"/>
+            <a:ext cx="1303498" cy="338554"/>
+          </a:xfrm>
+          <a:prstGeom prst="rect">
+            <a:avLst/>
+          </a:prstGeom>
+          <a:noFill/>
+        </p:spPr>
+        <p:txBody>
+          <a:bodyPr wrap="none" rtlCol="0">
+            <a:spAutoFit/>
+          </a:bodyPr>
+          <a:lstStyle/>
+          <a:p>
+            <a:r>
+              <a:rPr lang="en-US" sz="1600" dirty="0"/>
+              <a:t>outbox/inbox</a:t>
+            </a:r>
+          </a:p>
+        </p:txBody>
+      </p:sp>
+      <p:sp>
+        <p:nvSpPr>
+          <p:cNvPr id="45" name="TextBox 44">
+            <a:extLst>
+              <a:ext uri="{FF2B5EF4-FFF2-40B4-BE49-F238E27FC236}">
+                <a16:creationId xmlns:a16="http://schemas.microsoft.com/office/drawing/2014/main" id="{2BA503EA-0865-4C5B-891F-C179489BAC98}"/>
+              </a:ext>
+            </a:extLst>
+          </p:cNvPr>
+          <p:cNvSpPr txBox="1"/>
+          <p:nvPr/>
+        </p:nvSpPr>
+        <p:spPr>
+          <a:xfrm rot="16200000">
+            <a:off x="1022748" y="3484729"/>
+            <a:ext cx="1690527" cy="369332"/>
+          </a:xfrm>
+          <a:prstGeom prst="rect">
+            <a:avLst/>
+          </a:prstGeom>
+          <a:noFill/>
+        </p:spPr>
+        <p:txBody>
+          <a:bodyPr wrap="none" rtlCol="0">
+            <a:spAutoFit/>
+          </a:bodyPr>
+          <a:lstStyle/>
+          <a:p>
+            <a:r>
+              <a:rPr lang="en-US" dirty="0"/>
+              <a:t>application data</a:t>
+            </a:r>
+          </a:p>
+        </p:txBody>
+      </p:sp>
+      <p:sp>
+        <p:nvSpPr>
+          <p:cNvPr id="46" name="TextBox 45">
+            <a:extLst>
+              <a:ext uri="{FF2B5EF4-FFF2-40B4-BE49-F238E27FC236}">
+                <a16:creationId xmlns:a16="http://schemas.microsoft.com/office/drawing/2014/main" id="{01DB1F11-1CF8-4BB4-9F28-98DD698F8E4C}"/>
+              </a:ext>
+            </a:extLst>
+          </p:cNvPr>
+          <p:cNvSpPr txBox="1"/>
+          <p:nvPr/>
+        </p:nvSpPr>
+        <p:spPr>
+          <a:xfrm rot="16200000">
+            <a:off x="8858813" y="3485594"/>
+            <a:ext cx="1690527" cy="369332"/>
+          </a:xfrm>
+          <a:prstGeom prst="rect">
+            <a:avLst/>
+          </a:prstGeom>
+          <a:noFill/>
+        </p:spPr>
+        <p:txBody>
+          <a:bodyPr wrap="none" rtlCol="0">
+            <a:spAutoFit/>
+          </a:bodyPr>
+          <a:lstStyle/>
+          <a:p>
+            <a:r>
+              <a:rPr lang="en-US" dirty="0"/>
+              <a:t>application data</a:t>
+            </a:r>
+          </a:p>
+        </p:txBody>
+      </p:sp>
+      <p:sp>
+        <p:nvSpPr>
+          <p:cNvPr id="47" name="TextBox 46">
+            <a:extLst>
+              <a:ext uri="{FF2B5EF4-FFF2-40B4-BE49-F238E27FC236}">
+                <a16:creationId xmlns:a16="http://schemas.microsoft.com/office/drawing/2014/main" id="{432CC12F-04D1-4CCD-89C4-86BE018BA9EB}"/>
+              </a:ext>
+            </a:extLst>
+          </p:cNvPr>
+          <p:cNvSpPr txBox="1"/>
+          <p:nvPr/>
+        </p:nvSpPr>
+        <p:spPr>
+          <a:xfrm>
+            <a:off x="7826754" y="5034074"/>
+            <a:ext cx="1303498" cy="338554"/>
+          </a:xfrm>
+          <a:prstGeom prst="rect">
+            <a:avLst/>
+          </a:prstGeom>
+          <a:noFill/>
+        </p:spPr>
+        <p:txBody>
+          <a:bodyPr wrap="none" rtlCol="0">
+            <a:spAutoFit/>
+          </a:bodyPr>
+          <a:lstStyle/>
+          <a:p>
+            <a:r>
+              <a:rPr lang="en-US" sz="1600" dirty="0"/>
+              <a:t>outbox/inbox</a:t>
+            </a:r>
+          </a:p>
+        </p:txBody>
+      </p:sp>
+      <p:sp>
+        <p:nvSpPr>
+          <p:cNvPr id="48" name="TextBox 47">
+            <a:extLst>
+              <a:ext uri="{FF2B5EF4-FFF2-40B4-BE49-F238E27FC236}">
+                <a16:creationId xmlns:a16="http://schemas.microsoft.com/office/drawing/2014/main" id="{FC41D173-7F7B-460B-AB4F-C9B511DBEB94}"/>
+              </a:ext>
+            </a:extLst>
+          </p:cNvPr>
+          <p:cNvSpPr txBox="1"/>
+          <p:nvPr/>
+        </p:nvSpPr>
+        <p:spPr>
+          <a:xfrm>
+            <a:off x="4891909" y="4212175"/>
+            <a:ext cx="1876476" cy="1569660"/>
+          </a:xfrm>
+          <a:prstGeom prst="rect">
+            <a:avLst/>
+          </a:prstGeom>
+          <a:solidFill>
+            <a:schemeClr val="bg1">
+              <a:lumMod val="85000"/>
+            </a:schemeClr>
+          </a:solidFill>
+        </p:spPr>
+        <p:txBody>
+          <a:bodyPr wrap="none" rtlCol="0">
+            <a:spAutoFit/>
+          </a:bodyPr>
+          <a:lstStyle/>
+          <a:p>
+            <a:pPr algn="ctr"/>
+            <a:r>
+              <a:rPr lang="en-US" sz="1600" dirty="0"/>
+              <a:t>re-connect</a:t>
+            </a:r>
+          </a:p>
+          <a:p>
+            <a:pPr algn="ctr"/>
+            <a:r>
+              <a:rPr lang="en-US" sz="1600" dirty="0"/>
+              <a:t>re-try</a:t>
+            </a:r>
+          </a:p>
+          <a:p>
+            <a:pPr algn="ctr"/>
+            <a:r>
+              <a:rPr lang="en-US" sz="1600" dirty="0"/>
+              <a:t>publish/subscribe</a:t>
+            </a:r>
+          </a:p>
+          <a:p>
+            <a:pPr algn="ctr"/>
+            <a:r>
+              <a:rPr lang="en-US" sz="1600" dirty="0"/>
+              <a:t>background workers</a:t>
+            </a:r>
+          </a:p>
+          <a:p>
+            <a:pPr algn="ctr"/>
+            <a:r>
+              <a:rPr lang="en-US" sz="1600" dirty="0"/>
+              <a:t>auto-events</a:t>
+            </a:r>
+          </a:p>
+          <a:p>
+            <a:pPr algn="ctr"/>
+            <a:r>
+              <a:rPr lang="en-US" sz="1600" dirty="0"/>
+              <a:t>distributed locking</a:t>
+            </a:r>
+          </a:p>
+        </p:txBody>
+      </p:sp>
+      <p:cxnSp>
+        <p:nvCxnSpPr>
+          <p:cNvPr id="50" name="Connector: Elbow 49">
+            <a:extLst>
+              <a:ext uri="{FF2B5EF4-FFF2-40B4-BE49-F238E27FC236}">
+                <a16:creationId xmlns:a16="http://schemas.microsoft.com/office/drawing/2014/main" id="{5BDB109F-BE6E-45BE-AE0D-2CCE7D8F91E4}"/>
+              </a:ext>
+            </a:extLst>
+          </p:cNvPr>
+          <p:cNvCxnSpPr>
+            <a:endCxn id="48" idx="1"/>
+          </p:cNvCxnSpPr>
+          <p:nvPr/>
+        </p:nvCxnSpPr>
+        <p:spPr>
+          <a:xfrm rot="16200000" flipH="1">
+            <a:off x="3988771" y="4093867"/>
+            <a:ext cx="1374450" cy="431825"/>
+          </a:xfrm>
+          <a:prstGeom prst="bentConnector2">
+            <a:avLst/>
+          </a:prstGeom>
+          <a:ln w="12700">
+            <a:solidFill>
+              <a:schemeClr val="bg1">
+                <a:lumMod val="65000"/>
+              </a:schemeClr>
+            </a:solidFill>
+          </a:ln>
+        </p:spPr>
+        <p:style>
+          <a:lnRef idx="1">
+            <a:schemeClr val="accent1"/>
+          </a:lnRef>
+          <a:fillRef idx="0">
+            <a:schemeClr val="accent1"/>
+          </a:fillRef>
+          <a:effectRef idx="0">
+            <a:schemeClr val="accent1"/>
+          </a:effectRef>
+          <a:fontRef idx="minor">
+            <a:schemeClr val="tx1"/>
+          </a:fontRef>
+        </p:style>
+      </p:cxnSp>
+      <p:cxnSp>
+        <p:nvCxnSpPr>
+          <p:cNvPr id="53" name="Connector: Elbow 52">
+            <a:extLst>
+              <a:ext uri="{FF2B5EF4-FFF2-40B4-BE49-F238E27FC236}">
+                <a16:creationId xmlns:a16="http://schemas.microsoft.com/office/drawing/2014/main" id="{D0920B45-43B5-4FB7-8785-2BB680A4BF08}"/>
+              </a:ext>
+            </a:extLst>
+          </p:cNvPr>
+          <p:cNvCxnSpPr>
+            <a:endCxn id="48" idx="3"/>
+          </p:cNvCxnSpPr>
+          <p:nvPr/>
+        </p:nvCxnSpPr>
+        <p:spPr>
+          <a:xfrm rot="5400000">
+            <a:off x="6367588" y="4025409"/>
+            <a:ext cx="1372394" cy="570799"/>
+          </a:xfrm>
+          <a:prstGeom prst="bentConnector2">
+            <a:avLst/>
+          </a:prstGeom>
+          <a:ln w="12700">
+            <a:solidFill>
+              <a:schemeClr val="bg1">
+                <a:lumMod val="65000"/>
+              </a:schemeClr>
+            </a:solidFill>
+          </a:ln>
+        </p:spPr>
+        <p:style>
+          <a:lnRef idx="1">
+            <a:schemeClr val="accent1"/>
+          </a:lnRef>
+          <a:fillRef idx="0">
+            <a:schemeClr val="accent1"/>
+          </a:fillRef>
+          <a:effectRef idx="0">
+            <a:schemeClr val="accent1"/>
+          </a:effectRef>
+          <a:fontRef idx="minor">
+            <a:schemeClr val="tx1"/>
+          </a:fontRef>
+        </p:style>
+      </p:cxnSp>
+      <p:sp>
+        <p:nvSpPr>
+          <p:cNvPr id="54" name="TextBox 53">
+            <a:extLst>
+              <a:ext uri="{FF2B5EF4-FFF2-40B4-BE49-F238E27FC236}">
+                <a16:creationId xmlns:a16="http://schemas.microsoft.com/office/drawing/2014/main" id="{BC2CC65B-A2C9-4FA1-B5A7-EB9ED9E6F264}"/>
+              </a:ext>
+            </a:extLst>
+          </p:cNvPr>
+          <p:cNvSpPr txBox="1"/>
+          <p:nvPr/>
+        </p:nvSpPr>
+        <p:spPr>
+          <a:xfrm rot="16200000">
+            <a:off x="2586549" y="2808708"/>
+            <a:ext cx="654218" cy="338554"/>
+          </a:xfrm>
+          <a:prstGeom prst="rect">
+            <a:avLst/>
+          </a:prstGeom>
+          <a:noFill/>
+        </p:spPr>
+        <p:txBody>
+          <a:bodyPr wrap="none" rtlCol="0">
+            <a:spAutoFit/>
+          </a:bodyPr>
+          <a:lstStyle/>
+          <a:p>
+            <a:r>
+              <a:rPr lang="en-US" sz="1600" dirty="0"/>
+              <a:t>event</a:t>
+            </a:r>
+          </a:p>
+        </p:txBody>
+      </p:sp>
+      <p:sp>
+        <p:nvSpPr>
+          <p:cNvPr id="55" name="TextBox 54">
+            <a:extLst>
+              <a:ext uri="{FF2B5EF4-FFF2-40B4-BE49-F238E27FC236}">
+                <a16:creationId xmlns:a16="http://schemas.microsoft.com/office/drawing/2014/main" id="{20029900-E26B-4FC2-97F3-90487A2CB3F6}"/>
+              </a:ext>
+            </a:extLst>
+          </p:cNvPr>
+          <p:cNvSpPr txBox="1"/>
+          <p:nvPr/>
+        </p:nvSpPr>
+        <p:spPr>
+          <a:xfrm rot="16200000">
+            <a:off x="8058136" y="2815432"/>
+            <a:ext cx="654218" cy="338554"/>
+          </a:xfrm>
+          <a:prstGeom prst="rect">
+            <a:avLst/>
+          </a:prstGeom>
+          <a:noFill/>
+        </p:spPr>
+        <p:txBody>
+          <a:bodyPr wrap="none" rtlCol="0">
+            <a:spAutoFit/>
+          </a:bodyPr>
+          <a:lstStyle/>
+          <a:p>
+            <a:r>
+              <a:rPr lang="en-US" sz="1600" dirty="0"/>
+              <a:t>event</a:t>
+            </a:r>
+          </a:p>
+        </p:txBody>
+      </p:sp>
+    </p:spTree>
+    <p:extLst>
+      <p:ext uri="{BB962C8B-B14F-4D97-AF65-F5344CB8AC3E}">
+        <p14:creationId xmlns:p14="http://schemas.microsoft.com/office/powerpoint/2010/main" val="3106078234"/>
+      </p:ext>
+    </p:extLst>
+  </p:cSld>
+  <p:clrMapOvr>
+    <a:masterClrMapping/>
+  </p:clrMapOvr>
+</p:sld>
+</file>
+
+<file path=ppt/slides/slide15.xml><?xml version="1.0" encoding="utf-8"?>
+<p:sld xmlns:a="http://schemas.openxmlformats.org/drawingml/2006/main" xmlns:r="http://schemas.openxmlformats.org/officeDocument/2006/relationships" xmlns:p="http://schemas.openxmlformats.org/presentationml/2006/main">
+  <p:cSld>
+    <p:bg>
+      <p:bgPr>
+        <a:blipFill dpi="0" rotWithShape="1">
+          <a:blip r:embed="rId2">
+            <a:lum/>
+          </a:blip>
+          <a:srcRect/>
+          <a:stretch>
+            <a:fillRect/>
+          </a:stretch>
+        </a:blipFill>
+        <a:effectLst/>
+      </p:bgPr>
+    </p:bg>
+    <p:spTree>
+      <p:nvGrpSpPr>
+        <p:cNvPr id="1" name=""/>
+        <p:cNvGrpSpPr/>
+        <p:nvPr/>
+      </p:nvGrpSpPr>
+      <p:grpSpPr>
+        <a:xfrm>
+          <a:off x="0" y="0"/>
+          <a:ext cx="0" cy="0"/>
+          <a:chOff x="0" y="0"/>
+          <a:chExt cx="0" cy="0"/>
+        </a:xfrm>
+      </p:grpSpPr>
+      <p:sp>
+        <p:nvSpPr>
+          <p:cNvPr id="2" name="Başlık 1">
+            <a:extLst>
+              <a:ext uri="{FF2B5EF4-FFF2-40B4-BE49-F238E27FC236}">
+                <a16:creationId xmlns:a16="http://schemas.microsoft.com/office/drawing/2014/main" id="{FC0E68DA-A67F-4697-854D-AE37C5BA5BFA}"/>
+              </a:ext>
+            </a:extLst>
+          </p:cNvPr>
+          <p:cNvSpPr>
+            <a:spLocks noGrp="1"/>
+          </p:cNvSpPr>
+          <p:nvPr>
+            <p:ph type="ctrTitle"/>
+          </p:nvPr>
+        </p:nvSpPr>
+        <p:spPr>
+          <a:xfrm>
+            <a:off x="952500" y="885825"/>
+            <a:ext cx="10287000" cy="1066800"/>
+          </a:xfrm>
+        </p:spPr>
+        <p:txBody>
+          <a:bodyPr anchor="ctr">
+            <a:normAutofit/>
+          </a:bodyPr>
+          <a:lstStyle/>
+          <a:p>
+            <a:pPr algn="l"/>
+            <a:r>
+              <a:rPr lang="en-US" sz="4000" dirty="0">
+                <a:solidFill>
+                  <a:srgbClr val="44013C"/>
+                </a:solidFill>
+                <a:latin typeface="Segoe UI Semibold" panose="020B0702040204020203" pitchFamily="34" charset="0"/>
+                <a:cs typeface="Segoe UI Semibold" panose="020B0702040204020203" pitchFamily="34" charset="0"/>
+              </a:rPr>
+              <a:t>Inter-microservice messaging with ABP</a:t>
+            </a:r>
+            <a:endParaRPr lang="tr-TR" sz="4000" dirty="0">
+              <a:solidFill>
+                <a:srgbClr val="44013C"/>
+              </a:solidFill>
+            </a:endParaRPr>
+          </a:p>
+        </p:txBody>
+      </p:sp>
+      <p:sp>
+        <p:nvSpPr>
+          <p:cNvPr id="4" name="Başlık 1">
+            <a:extLst>
+              <a:ext uri="{FF2B5EF4-FFF2-40B4-BE49-F238E27FC236}">
+                <a16:creationId xmlns:a16="http://schemas.microsoft.com/office/drawing/2014/main" id="{96A1982A-6408-4D1D-8BA5-BE7B17D51BB4}"/>
+              </a:ext>
+            </a:extLst>
+          </p:cNvPr>
+          <p:cNvSpPr txBox="1">
+            <a:spLocks/>
+          </p:cNvSpPr>
+          <p:nvPr/>
+        </p:nvSpPr>
+        <p:spPr>
+          <a:xfrm>
+            <a:off x="3479131" y="2366212"/>
+            <a:ext cx="4393532" cy="2539164"/>
+          </a:xfrm>
+          <a:prstGeom prst="rect">
+            <a:avLst/>
+          </a:prstGeom>
+        </p:spPr>
+        <p:txBody>
+          <a:bodyPr vert="horz" lIns="91440" tIns="45720" rIns="91440" bIns="45720" rtlCol="0" anchor="t">
+            <a:noAutofit/>
+          </a:bodyPr>
+          <a:lstStyle>
+            <a:lvl1pPr algn="ctr" defTabSz="914400" rtl="0" eaLnBrk="1" latinLnBrk="0" hangingPunct="1">
+              <a:lnSpc>
+                <a:spcPct val="90000"/>
+              </a:lnSpc>
+              <a:spcBef>
+                <a:spcPct val="0"/>
+              </a:spcBef>
+              <a:buNone/>
+              <a:defRPr sz="6000" kern="1200">
+                <a:solidFill>
+                  <a:schemeClr val="tx1"/>
+                </a:solidFill>
+                <a:latin typeface="+mj-lt"/>
+                <a:ea typeface="+mj-ea"/>
+                <a:cs typeface="+mj-cs"/>
+              </a:defRPr>
+            </a:lvl1pPr>
+          </a:lstStyle>
+          <a:p>
+            <a:pPr algn="just">
+              <a:lnSpc>
+                <a:spcPct val="150000"/>
+              </a:lnSpc>
+            </a:pPr>
+            <a:r>
+              <a:rPr lang="en-US" sz="10000" b="0" i="0" dirty="0">
+                <a:solidFill>
+                  <a:schemeClr val="tx1">
+                    <a:lumMod val="75000"/>
+                    <a:lumOff val="25000"/>
+                  </a:schemeClr>
+                </a:solidFill>
+                <a:effectLst/>
+                <a:latin typeface="Open Sans" panose="020B0604020202020204" pitchFamily="34" charset="0"/>
+              </a:rPr>
+              <a:t>DEMO</a:t>
+            </a:r>
+            <a:endParaRPr lang="tr-TR" sz="10000" b="0" i="0" dirty="0">
+              <a:solidFill>
+                <a:schemeClr val="tx1">
+                  <a:lumMod val="75000"/>
+                  <a:lumOff val="25000"/>
+                </a:schemeClr>
+              </a:solidFill>
+              <a:effectLst/>
+              <a:latin typeface="Open Sans" panose="020B0604020202020204" pitchFamily="34" charset="0"/>
+            </a:endParaRPr>
+          </a:p>
+        </p:txBody>
+      </p:sp>
+    </p:spTree>
+    <p:extLst>
+      <p:ext uri="{BB962C8B-B14F-4D97-AF65-F5344CB8AC3E}">
+        <p14:creationId xmlns:p14="http://schemas.microsoft.com/office/powerpoint/2010/main" val="522496796"/>
+      </p:ext>
+    </p:extLst>
+  </p:cSld>
+  <p:clrMapOvr>
+    <a:masterClrMapping/>
+  </p:clrMapOvr>
+</p:sld>
+</file>
+
+<file path=ppt/slides/slide16.xml><?xml version="1.0" encoding="utf-8"?>
 <p:sld xmlns:a="http://schemas.openxmlformats.org/drawingml/2006/main" xmlns:r="http://schemas.openxmlformats.org/officeDocument/2006/relationships" xmlns:p="http://schemas.openxmlformats.org/presentationml/2006/main">
   <p:cSld>
     <p:bg>
@@ -5316,1320 +7125,6 @@
 </p:sld>
 </file>
 
-<file path=ppt/slides/slide15.xml><?xml version="1.0" encoding="utf-8"?>
-<p:sld xmlns:a="http://schemas.openxmlformats.org/drawingml/2006/main" xmlns:r="http://schemas.openxmlformats.org/officeDocument/2006/relationships" xmlns:p="http://schemas.openxmlformats.org/presentationml/2006/main">
-  <p:cSld>
-    <p:bg>
-      <p:bgPr>
-        <a:blipFill dpi="0" rotWithShape="1">
-          <a:blip r:embed="rId2">
-            <a:lum/>
-          </a:blip>
-          <a:srcRect/>
-          <a:stretch>
-            <a:fillRect/>
-          </a:stretch>
-        </a:blipFill>
-        <a:effectLst/>
-      </p:bgPr>
-    </p:bg>
-    <p:spTree>
-      <p:nvGrpSpPr>
-        <p:cNvPr id="1" name=""/>
-        <p:cNvGrpSpPr/>
-        <p:nvPr/>
-      </p:nvGrpSpPr>
-      <p:grpSpPr>
-        <a:xfrm>
-          <a:off x="0" y="0"/>
-          <a:ext cx="0" cy="0"/>
-          <a:chOff x="0" y="0"/>
-          <a:chExt cx="0" cy="0"/>
-        </a:xfrm>
-      </p:grpSpPr>
-      <p:sp>
-        <p:nvSpPr>
-          <p:cNvPr id="2" name="Başlık 1">
-            <a:extLst>
-              <a:ext uri="{FF2B5EF4-FFF2-40B4-BE49-F238E27FC236}">
-                <a16:creationId xmlns:a16="http://schemas.microsoft.com/office/drawing/2014/main" id="{FC0E68DA-A67F-4697-854D-AE37C5BA5BFA}"/>
-              </a:ext>
-            </a:extLst>
-          </p:cNvPr>
-          <p:cNvSpPr>
-            <a:spLocks noGrp="1"/>
-          </p:cNvSpPr>
-          <p:nvPr>
-            <p:ph type="ctrTitle"/>
-          </p:nvPr>
-        </p:nvSpPr>
-        <p:spPr>
-          <a:xfrm>
-            <a:off x="952500" y="885825"/>
-            <a:ext cx="10287000" cy="1066800"/>
-          </a:xfrm>
-        </p:spPr>
-        <p:txBody>
-          <a:bodyPr anchor="ctr">
-            <a:normAutofit/>
-          </a:bodyPr>
-          <a:lstStyle/>
-          <a:p>
-            <a:pPr algn="l"/>
-            <a:r>
-              <a:rPr lang="en-US" sz="4000" dirty="0">
-                <a:solidFill>
-                  <a:srgbClr val="44013C"/>
-                </a:solidFill>
-                <a:latin typeface="Segoe UI Semibold" panose="020B0702040204020203" pitchFamily="34" charset="0"/>
-                <a:cs typeface="Segoe UI Semibold" panose="020B0702040204020203" pitchFamily="34" charset="0"/>
-              </a:rPr>
-              <a:t>Inter-microservice messaging</a:t>
-            </a:r>
-            <a:endParaRPr lang="tr-TR" sz="4000" dirty="0">
-              <a:solidFill>
-                <a:srgbClr val="44013C"/>
-              </a:solidFill>
-            </a:endParaRPr>
-          </a:p>
-        </p:txBody>
-      </p:sp>
-      <p:sp>
-        <p:nvSpPr>
-          <p:cNvPr id="5" name="Rectangle 4">
-            <a:extLst>
-              <a:ext uri="{FF2B5EF4-FFF2-40B4-BE49-F238E27FC236}">
-                <a16:creationId xmlns:a16="http://schemas.microsoft.com/office/drawing/2014/main" id="{1892FD6B-79D4-4A03-BFFA-7F685BF25C41}"/>
-              </a:ext>
-            </a:extLst>
-          </p:cNvPr>
-          <p:cNvSpPr/>
-          <p:nvPr/>
-        </p:nvSpPr>
-        <p:spPr>
-          <a:xfrm>
-            <a:off x="1518613" y="2289874"/>
-            <a:ext cx="2300785" cy="317266"/>
-          </a:xfrm>
-          <a:prstGeom prst="rect">
-            <a:avLst/>
-          </a:prstGeom>
-        </p:spPr>
-        <p:style>
-          <a:lnRef idx="2">
-            <a:schemeClr val="accent1">
-              <a:shade val="50000"/>
-            </a:schemeClr>
-          </a:lnRef>
-          <a:fillRef idx="1">
-            <a:schemeClr val="accent1"/>
-          </a:fillRef>
-          <a:effectRef idx="0">
-            <a:schemeClr val="accent1"/>
-          </a:effectRef>
-          <a:fontRef idx="minor">
-            <a:schemeClr val="lt1"/>
-          </a:fontRef>
-        </p:style>
-        <p:txBody>
-          <a:bodyPr rtlCol="0" anchor="ctr"/>
-          <a:lstStyle/>
-          <a:p>
-            <a:pPr algn="ctr"/>
-            <a:r>
-              <a:rPr lang="en-US" sz="1600" dirty="0"/>
-              <a:t>Microservice A</a:t>
-            </a:r>
-          </a:p>
-        </p:txBody>
-      </p:sp>
-      <p:sp>
-        <p:nvSpPr>
-          <p:cNvPr id="6" name="Rectangle 5">
-            <a:extLst>
-              <a:ext uri="{FF2B5EF4-FFF2-40B4-BE49-F238E27FC236}">
-                <a16:creationId xmlns:a16="http://schemas.microsoft.com/office/drawing/2014/main" id="{6A579E90-F20C-4CE9-BA0B-8B010FEBF154}"/>
-              </a:ext>
-            </a:extLst>
-          </p:cNvPr>
-          <p:cNvSpPr/>
-          <p:nvPr/>
-        </p:nvSpPr>
-        <p:spPr>
-          <a:xfrm>
-            <a:off x="7979860" y="2298851"/>
-            <a:ext cx="2300785" cy="317266"/>
-          </a:xfrm>
-          <a:prstGeom prst="rect">
-            <a:avLst/>
-          </a:prstGeom>
-        </p:spPr>
-        <p:style>
-          <a:lnRef idx="2">
-            <a:schemeClr val="accent1">
-              <a:shade val="50000"/>
-            </a:schemeClr>
-          </a:lnRef>
-          <a:fillRef idx="1">
-            <a:schemeClr val="accent1"/>
-          </a:fillRef>
-          <a:effectRef idx="0">
-            <a:schemeClr val="accent1"/>
-          </a:effectRef>
-          <a:fontRef idx="minor">
-            <a:schemeClr val="lt1"/>
-          </a:fontRef>
-        </p:style>
-        <p:txBody>
-          <a:bodyPr rtlCol="0" anchor="ctr"/>
-          <a:lstStyle/>
-          <a:p>
-            <a:pPr algn="ctr"/>
-            <a:r>
-              <a:rPr lang="en-US" sz="1600" dirty="0"/>
-              <a:t>Microservice B</a:t>
-            </a:r>
-          </a:p>
-        </p:txBody>
-      </p:sp>
-      <p:sp>
-        <p:nvSpPr>
-          <p:cNvPr id="7" name="Rectangle 6">
-            <a:extLst>
-              <a:ext uri="{FF2B5EF4-FFF2-40B4-BE49-F238E27FC236}">
-                <a16:creationId xmlns:a16="http://schemas.microsoft.com/office/drawing/2014/main" id="{8D67AD2A-B946-4DB2-B1CA-A9148230C3B3}"/>
-              </a:ext>
-            </a:extLst>
-          </p:cNvPr>
-          <p:cNvSpPr/>
-          <p:nvPr/>
-        </p:nvSpPr>
-        <p:spPr>
-          <a:xfrm>
-            <a:off x="4749237" y="3319538"/>
-            <a:ext cx="2300785" cy="577114"/>
-          </a:xfrm>
-          <a:prstGeom prst="rect">
-            <a:avLst/>
-          </a:prstGeom>
-        </p:spPr>
-        <p:style>
-          <a:lnRef idx="2">
-            <a:schemeClr val="accent2">
-              <a:shade val="50000"/>
-            </a:schemeClr>
-          </a:lnRef>
-          <a:fillRef idx="1">
-            <a:schemeClr val="accent2"/>
-          </a:fillRef>
-          <a:effectRef idx="0">
-            <a:schemeClr val="accent2"/>
-          </a:effectRef>
-          <a:fontRef idx="minor">
-            <a:schemeClr val="lt1"/>
-          </a:fontRef>
-        </p:style>
-        <p:txBody>
-          <a:bodyPr rtlCol="0" anchor="ctr"/>
-          <a:lstStyle/>
-          <a:p>
-            <a:pPr algn="ctr"/>
-            <a:r>
-              <a:rPr lang="en-US" sz="1600" dirty="0"/>
-              <a:t>Message Broker</a:t>
-            </a:r>
-          </a:p>
-          <a:p>
-            <a:pPr algn="ctr"/>
-            <a:r>
-              <a:rPr lang="en-US" sz="1200" dirty="0"/>
-              <a:t>(RabbitMQ, Kafka, </a:t>
-            </a:r>
-            <a:r>
-              <a:rPr lang="en-US" sz="1200" dirty="0" err="1"/>
-              <a:t>etc</a:t>
-            </a:r>
-            <a:r>
-              <a:rPr lang="en-US" sz="1200" dirty="0"/>
-              <a:t>)</a:t>
-            </a:r>
-          </a:p>
-        </p:txBody>
-      </p:sp>
-      <p:pic>
-        <p:nvPicPr>
-          <p:cNvPr id="8" name="Picture 7" descr="Shape&#10;&#10;Description automatically generated">
-            <a:extLst>
-              <a:ext uri="{FF2B5EF4-FFF2-40B4-BE49-F238E27FC236}">
-                <a16:creationId xmlns:a16="http://schemas.microsoft.com/office/drawing/2014/main" id="{3440A574-FD12-4AB9-831A-944892A532D7}"/>
-              </a:ext>
-            </a:extLst>
-          </p:cNvPr>
-          <p:cNvPicPr>
-            <a:picLocks noChangeAspect="1"/>
-          </p:cNvPicPr>
-          <p:nvPr/>
-        </p:nvPicPr>
-        <p:blipFill>
-          <a:blip r:embed="rId3">
-            <a:extLst>
-              <a:ext uri="{28A0092B-C50C-407E-A947-70E740481C1C}">
-                <a14:useLocalDpi xmlns:a14="http://schemas.microsoft.com/office/drawing/2010/main" val="0"/>
-              </a:ext>
-            </a:extLst>
-          </a:blip>
-          <a:stretch>
-            <a:fillRect/>
-          </a:stretch>
-        </p:blipFill>
-        <p:spPr>
-          <a:xfrm>
-            <a:off x="1637711" y="4591851"/>
-            <a:ext cx="863600" cy="863600"/>
-          </a:xfrm>
-          <a:prstGeom prst="rect">
-            <a:avLst/>
-          </a:prstGeom>
-        </p:spPr>
-      </p:pic>
-      <p:pic>
-        <p:nvPicPr>
-          <p:cNvPr id="9" name="Picture 8" descr="Shape&#10;&#10;Description automatically generated">
-            <a:extLst>
-              <a:ext uri="{FF2B5EF4-FFF2-40B4-BE49-F238E27FC236}">
-                <a16:creationId xmlns:a16="http://schemas.microsoft.com/office/drawing/2014/main" id="{24006FA8-70CD-4133-B3CE-C5CC943ECDC8}"/>
-              </a:ext>
-            </a:extLst>
-          </p:cNvPr>
-          <p:cNvPicPr>
-            <a:picLocks noChangeAspect="1"/>
-          </p:cNvPicPr>
-          <p:nvPr/>
-        </p:nvPicPr>
-        <p:blipFill>
-          <a:blip r:embed="rId3">
-            <a:extLst>
-              <a:ext uri="{28A0092B-C50C-407E-A947-70E740481C1C}">
-                <a14:useLocalDpi xmlns:a14="http://schemas.microsoft.com/office/drawing/2010/main" val="0"/>
-              </a:ext>
-            </a:extLst>
-          </a:blip>
-          <a:stretch>
-            <a:fillRect/>
-          </a:stretch>
-        </p:blipFill>
-        <p:spPr>
-          <a:xfrm>
-            <a:off x="9137769" y="4591851"/>
-            <a:ext cx="863600" cy="863600"/>
-          </a:xfrm>
-          <a:prstGeom prst="rect">
-            <a:avLst/>
-          </a:prstGeom>
-        </p:spPr>
-      </p:pic>
-      <p:sp>
-        <p:nvSpPr>
-          <p:cNvPr id="10" name="Rectangle 9">
-            <a:extLst>
-              <a:ext uri="{FF2B5EF4-FFF2-40B4-BE49-F238E27FC236}">
-                <a16:creationId xmlns:a16="http://schemas.microsoft.com/office/drawing/2014/main" id="{39E397E2-0BDC-4DA3-B4C2-C79AF049E1CA}"/>
-              </a:ext>
-            </a:extLst>
-          </p:cNvPr>
-          <p:cNvSpPr/>
-          <p:nvPr/>
-        </p:nvSpPr>
-        <p:spPr>
-          <a:xfrm>
-            <a:off x="2669006" y="3387917"/>
-            <a:ext cx="1501942" cy="432134"/>
-          </a:xfrm>
-          <a:prstGeom prst="rect">
-            <a:avLst/>
-          </a:prstGeom>
-        </p:spPr>
-        <p:style>
-          <a:lnRef idx="2">
-            <a:schemeClr val="accent6">
-              <a:shade val="50000"/>
-            </a:schemeClr>
-          </a:lnRef>
-          <a:fillRef idx="1">
-            <a:schemeClr val="accent6"/>
-          </a:fillRef>
-          <a:effectRef idx="0">
-            <a:schemeClr val="accent6"/>
-          </a:effectRef>
-          <a:fontRef idx="minor">
-            <a:schemeClr val="lt1"/>
-          </a:fontRef>
-        </p:style>
-        <p:txBody>
-          <a:bodyPr rtlCol="0" anchor="ctr"/>
-          <a:lstStyle/>
-          <a:p>
-            <a:pPr algn="ctr"/>
-            <a:r>
-              <a:rPr lang="en-US" sz="1600" dirty="0"/>
-              <a:t>ABP Event Bus</a:t>
-            </a:r>
-            <a:endParaRPr lang="en-US" sz="1400" dirty="0"/>
-          </a:p>
-        </p:txBody>
-      </p:sp>
-      <p:cxnSp>
-        <p:nvCxnSpPr>
-          <p:cNvPr id="11" name="Straight Arrow Connector 10">
-            <a:extLst>
-              <a:ext uri="{FF2B5EF4-FFF2-40B4-BE49-F238E27FC236}">
-                <a16:creationId xmlns:a16="http://schemas.microsoft.com/office/drawing/2014/main" id="{935782B1-1054-4AA5-81CE-5AC443E242F3}"/>
-              </a:ext>
-            </a:extLst>
-          </p:cNvPr>
-          <p:cNvCxnSpPr>
-            <a:cxnSpLocks/>
-            <a:endCxn id="8" idx="0"/>
-          </p:cNvCxnSpPr>
-          <p:nvPr/>
-        </p:nvCxnSpPr>
-        <p:spPr>
-          <a:xfrm>
-            <a:off x="2065530" y="2606116"/>
-            <a:ext cx="3981" cy="1985735"/>
-          </a:xfrm>
-          <a:prstGeom prst="straightConnector1">
-            <a:avLst/>
-          </a:prstGeom>
-          <a:ln w="38100">
-            <a:solidFill>
-              <a:schemeClr val="tx1"/>
-            </a:solidFill>
-            <a:tailEnd type="triangle"/>
-          </a:ln>
-        </p:spPr>
-        <p:style>
-          <a:lnRef idx="1">
-            <a:schemeClr val="accent1"/>
-          </a:lnRef>
-          <a:fillRef idx="0">
-            <a:schemeClr val="accent1"/>
-          </a:fillRef>
-          <a:effectRef idx="0">
-            <a:schemeClr val="accent1"/>
-          </a:effectRef>
-          <a:fontRef idx="minor">
-            <a:schemeClr val="tx1"/>
-          </a:fontRef>
-        </p:style>
-      </p:cxnSp>
-      <p:cxnSp>
-        <p:nvCxnSpPr>
-          <p:cNvPr id="13" name="Straight Arrow Connector 12">
-            <a:extLst>
-              <a:ext uri="{FF2B5EF4-FFF2-40B4-BE49-F238E27FC236}">
-                <a16:creationId xmlns:a16="http://schemas.microsoft.com/office/drawing/2014/main" id="{0C3A2100-E02B-4957-BD91-EA2C681F0407}"/>
-              </a:ext>
-            </a:extLst>
-          </p:cNvPr>
-          <p:cNvCxnSpPr/>
-          <p:nvPr/>
-        </p:nvCxnSpPr>
-        <p:spPr>
-          <a:xfrm>
-            <a:off x="3064043" y="2606116"/>
-            <a:ext cx="0" cy="781801"/>
-          </a:xfrm>
-          <a:prstGeom prst="straightConnector1">
-            <a:avLst/>
-          </a:prstGeom>
-          <a:ln w="38100">
-            <a:solidFill>
-              <a:schemeClr val="tx1"/>
-            </a:solidFill>
-            <a:tailEnd type="triangle"/>
-          </a:ln>
-        </p:spPr>
-        <p:style>
-          <a:lnRef idx="1">
-            <a:schemeClr val="accent1"/>
-          </a:lnRef>
-          <a:fillRef idx="0">
-            <a:schemeClr val="accent1"/>
-          </a:fillRef>
-          <a:effectRef idx="0">
-            <a:schemeClr val="accent1"/>
-          </a:effectRef>
-          <a:fontRef idx="minor">
-            <a:schemeClr val="tx1"/>
-          </a:fontRef>
-        </p:style>
-      </p:cxnSp>
-      <p:cxnSp>
-        <p:nvCxnSpPr>
-          <p:cNvPr id="15" name="Connector: Elbow 14">
-            <a:extLst>
-              <a:ext uri="{FF2B5EF4-FFF2-40B4-BE49-F238E27FC236}">
-                <a16:creationId xmlns:a16="http://schemas.microsoft.com/office/drawing/2014/main" id="{FD51816E-9B1B-4812-AFBC-192B7D4D4AF1}"/>
-              </a:ext>
-            </a:extLst>
-          </p:cNvPr>
-          <p:cNvCxnSpPr>
-            <a:cxnSpLocks/>
-            <a:stCxn id="10" idx="2"/>
-            <a:endCxn id="8" idx="3"/>
-          </p:cNvCxnSpPr>
-          <p:nvPr/>
-        </p:nvCxnSpPr>
-        <p:spPr>
-          <a:xfrm rot="5400000">
-            <a:off x="2358844" y="3962518"/>
-            <a:ext cx="1203600" cy="918666"/>
-          </a:xfrm>
-          <a:prstGeom prst="bentConnector2">
-            <a:avLst/>
-          </a:prstGeom>
-          <a:ln w="38100">
-            <a:solidFill>
-              <a:schemeClr val="tx1"/>
-            </a:solidFill>
-            <a:headEnd type="triangle"/>
-            <a:tailEnd type="triangle"/>
-          </a:ln>
-        </p:spPr>
-        <p:style>
-          <a:lnRef idx="1">
-            <a:schemeClr val="accent1"/>
-          </a:lnRef>
-          <a:fillRef idx="0">
-            <a:schemeClr val="accent1"/>
-          </a:fillRef>
-          <a:effectRef idx="0">
-            <a:schemeClr val="accent1"/>
-          </a:effectRef>
-          <a:fontRef idx="minor">
-            <a:schemeClr val="tx1"/>
-          </a:fontRef>
-        </p:style>
-      </p:cxnSp>
-      <p:cxnSp>
-        <p:nvCxnSpPr>
-          <p:cNvPr id="17" name="Straight Arrow Connector 16">
-            <a:extLst>
-              <a:ext uri="{FF2B5EF4-FFF2-40B4-BE49-F238E27FC236}">
-                <a16:creationId xmlns:a16="http://schemas.microsoft.com/office/drawing/2014/main" id="{36A5CD7A-5194-4078-ABB2-FDA8F5295DDF}"/>
-              </a:ext>
-            </a:extLst>
-          </p:cNvPr>
-          <p:cNvCxnSpPr>
-            <a:cxnSpLocks/>
-            <a:stCxn id="10" idx="3"/>
-            <a:endCxn id="7" idx="1"/>
-          </p:cNvCxnSpPr>
-          <p:nvPr/>
-        </p:nvCxnSpPr>
-        <p:spPr>
-          <a:xfrm>
-            <a:off x="4170948" y="3603984"/>
-            <a:ext cx="578289" cy="4111"/>
-          </a:xfrm>
-          <a:prstGeom prst="straightConnector1">
-            <a:avLst/>
-          </a:prstGeom>
-          <a:ln w="38100">
-            <a:solidFill>
-              <a:schemeClr val="tx1"/>
-            </a:solidFill>
-            <a:headEnd type="triangle"/>
-            <a:tailEnd type="triangle"/>
-          </a:ln>
-        </p:spPr>
-        <p:style>
-          <a:lnRef idx="1">
-            <a:schemeClr val="accent1"/>
-          </a:lnRef>
-          <a:fillRef idx="0">
-            <a:schemeClr val="accent1"/>
-          </a:fillRef>
-          <a:effectRef idx="0">
-            <a:schemeClr val="accent1"/>
-          </a:effectRef>
-          <a:fontRef idx="minor">
-            <a:schemeClr val="tx1"/>
-          </a:fontRef>
-        </p:style>
-      </p:cxnSp>
-      <p:sp>
-        <p:nvSpPr>
-          <p:cNvPr id="23" name="Rectangle 22">
-            <a:extLst>
-              <a:ext uri="{FF2B5EF4-FFF2-40B4-BE49-F238E27FC236}">
-                <a16:creationId xmlns:a16="http://schemas.microsoft.com/office/drawing/2014/main" id="{903A1C7D-88AB-4597-A7E3-95AB0E0866AE}"/>
-              </a:ext>
-            </a:extLst>
-          </p:cNvPr>
-          <p:cNvSpPr/>
-          <p:nvPr/>
-        </p:nvSpPr>
-        <p:spPr>
-          <a:xfrm>
-            <a:off x="7628311" y="3353301"/>
-            <a:ext cx="1501942" cy="432134"/>
-          </a:xfrm>
-          <a:prstGeom prst="rect">
-            <a:avLst/>
-          </a:prstGeom>
-        </p:spPr>
-        <p:style>
-          <a:lnRef idx="2">
-            <a:schemeClr val="accent6">
-              <a:shade val="50000"/>
-            </a:schemeClr>
-          </a:lnRef>
-          <a:fillRef idx="1">
-            <a:schemeClr val="accent6"/>
-          </a:fillRef>
-          <a:effectRef idx="0">
-            <a:schemeClr val="accent6"/>
-          </a:effectRef>
-          <a:fontRef idx="minor">
-            <a:schemeClr val="lt1"/>
-          </a:fontRef>
-        </p:style>
-        <p:txBody>
-          <a:bodyPr rtlCol="0" anchor="ctr"/>
-          <a:lstStyle/>
-          <a:p>
-            <a:pPr algn="ctr"/>
-            <a:r>
-              <a:rPr lang="en-US" sz="1600" dirty="0"/>
-              <a:t>ABP Event Bus</a:t>
-            </a:r>
-            <a:endParaRPr lang="en-US" sz="1400" dirty="0"/>
-          </a:p>
-        </p:txBody>
-      </p:sp>
-      <p:cxnSp>
-        <p:nvCxnSpPr>
-          <p:cNvPr id="24" name="Straight Arrow Connector 23">
-            <a:extLst>
-              <a:ext uri="{FF2B5EF4-FFF2-40B4-BE49-F238E27FC236}">
-                <a16:creationId xmlns:a16="http://schemas.microsoft.com/office/drawing/2014/main" id="{D441E632-1CE2-4B00-8488-82B4AE7EA82A}"/>
-              </a:ext>
-            </a:extLst>
-          </p:cNvPr>
-          <p:cNvCxnSpPr>
-            <a:cxnSpLocks/>
-          </p:cNvCxnSpPr>
-          <p:nvPr/>
-        </p:nvCxnSpPr>
-        <p:spPr>
-          <a:xfrm>
-            <a:off x="7050022" y="3611403"/>
-            <a:ext cx="578289" cy="4111"/>
-          </a:xfrm>
-          <a:prstGeom prst="straightConnector1">
-            <a:avLst/>
-          </a:prstGeom>
-          <a:ln w="38100">
-            <a:solidFill>
-              <a:schemeClr val="tx1"/>
-            </a:solidFill>
-            <a:headEnd type="triangle"/>
-            <a:tailEnd type="triangle"/>
-          </a:ln>
-        </p:spPr>
-        <p:style>
-          <a:lnRef idx="1">
-            <a:schemeClr val="accent1"/>
-          </a:lnRef>
-          <a:fillRef idx="0">
-            <a:schemeClr val="accent1"/>
-          </a:fillRef>
-          <a:effectRef idx="0">
-            <a:schemeClr val="accent1"/>
-          </a:effectRef>
-          <a:fontRef idx="minor">
-            <a:schemeClr val="tx1"/>
-          </a:fontRef>
-        </p:style>
-      </p:cxnSp>
-      <p:cxnSp>
-        <p:nvCxnSpPr>
-          <p:cNvPr id="26" name="Straight Arrow Connector 25">
-            <a:extLst>
-              <a:ext uri="{FF2B5EF4-FFF2-40B4-BE49-F238E27FC236}">
-                <a16:creationId xmlns:a16="http://schemas.microsoft.com/office/drawing/2014/main" id="{BD5B5D09-3F83-4B1B-98A5-0D080CF04738}"/>
-              </a:ext>
-            </a:extLst>
-          </p:cNvPr>
-          <p:cNvCxnSpPr/>
-          <p:nvPr/>
-        </p:nvCxnSpPr>
-        <p:spPr>
-          <a:xfrm>
-            <a:off x="8538411" y="2616117"/>
-            <a:ext cx="0" cy="737184"/>
-          </a:xfrm>
-          <a:prstGeom prst="straightConnector1">
-            <a:avLst/>
-          </a:prstGeom>
-          <a:ln w="38100">
-            <a:solidFill>
-              <a:schemeClr val="tx1"/>
-            </a:solidFill>
-            <a:tailEnd type="triangle"/>
-          </a:ln>
-        </p:spPr>
-        <p:style>
-          <a:lnRef idx="1">
-            <a:schemeClr val="accent1"/>
-          </a:lnRef>
-          <a:fillRef idx="0">
-            <a:schemeClr val="accent1"/>
-          </a:fillRef>
-          <a:effectRef idx="0">
-            <a:schemeClr val="accent1"/>
-          </a:effectRef>
-          <a:fontRef idx="minor">
-            <a:schemeClr val="tx1"/>
-          </a:fontRef>
-        </p:style>
-      </p:cxnSp>
-      <p:cxnSp>
-        <p:nvCxnSpPr>
-          <p:cNvPr id="28" name="Straight Arrow Connector 27">
-            <a:extLst>
-              <a:ext uri="{FF2B5EF4-FFF2-40B4-BE49-F238E27FC236}">
-                <a16:creationId xmlns:a16="http://schemas.microsoft.com/office/drawing/2014/main" id="{95FF4C2C-B96B-4544-8317-DE1A17F3DCBD}"/>
-              </a:ext>
-            </a:extLst>
-          </p:cNvPr>
-          <p:cNvCxnSpPr>
-            <a:cxnSpLocks/>
-            <a:endCxn id="9" idx="0"/>
-          </p:cNvCxnSpPr>
-          <p:nvPr/>
-        </p:nvCxnSpPr>
-        <p:spPr>
-          <a:xfrm>
-            <a:off x="9551836" y="2616117"/>
-            <a:ext cx="17733" cy="1975734"/>
-          </a:xfrm>
-          <a:prstGeom prst="straightConnector1">
-            <a:avLst/>
-          </a:prstGeom>
-          <a:ln w="38100">
-            <a:solidFill>
-              <a:schemeClr val="tx1"/>
-            </a:solidFill>
-            <a:tailEnd type="triangle"/>
-          </a:ln>
-        </p:spPr>
-        <p:style>
-          <a:lnRef idx="1">
-            <a:schemeClr val="accent1"/>
-          </a:lnRef>
-          <a:fillRef idx="0">
-            <a:schemeClr val="accent1"/>
-          </a:fillRef>
-          <a:effectRef idx="0">
-            <a:schemeClr val="accent1"/>
-          </a:effectRef>
-          <a:fontRef idx="minor">
-            <a:schemeClr val="tx1"/>
-          </a:fontRef>
-        </p:style>
-      </p:cxnSp>
-      <p:cxnSp>
-        <p:nvCxnSpPr>
-          <p:cNvPr id="32" name="Connector: Elbow 31">
-            <a:extLst>
-              <a:ext uri="{FF2B5EF4-FFF2-40B4-BE49-F238E27FC236}">
-                <a16:creationId xmlns:a16="http://schemas.microsoft.com/office/drawing/2014/main" id="{3A74244E-D531-4258-8CA1-64D09F732685}"/>
-              </a:ext>
-            </a:extLst>
-          </p:cNvPr>
-          <p:cNvCxnSpPr>
-            <a:stCxn id="9" idx="1"/>
-            <a:endCxn id="23" idx="2"/>
-          </p:cNvCxnSpPr>
-          <p:nvPr/>
-        </p:nvCxnSpPr>
-        <p:spPr>
-          <a:xfrm rot="10800000">
-            <a:off x="8379283" y="3785435"/>
-            <a:ext cx="758487" cy="1238216"/>
-          </a:xfrm>
-          <a:prstGeom prst="bentConnector2">
-            <a:avLst/>
-          </a:prstGeom>
-          <a:ln w="38100">
-            <a:solidFill>
-              <a:schemeClr val="tx1"/>
-            </a:solidFill>
-            <a:headEnd type="triangle"/>
-            <a:tailEnd type="triangle"/>
-          </a:ln>
-        </p:spPr>
-        <p:style>
-          <a:lnRef idx="1">
-            <a:schemeClr val="accent1"/>
-          </a:lnRef>
-          <a:fillRef idx="0">
-            <a:schemeClr val="accent1"/>
-          </a:fillRef>
-          <a:effectRef idx="0">
-            <a:schemeClr val="accent1"/>
-          </a:effectRef>
-          <a:fontRef idx="minor">
-            <a:schemeClr val="tx1"/>
-          </a:fontRef>
-        </p:style>
-      </p:cxnSp>
-      <p:sp>
-        <p:nvSpPr>
-          <p:cNvPr id="44" name="TextBox 43">
-            <a:extLst>
-              <a:ext uri="{FF2B5EF4-FFF2-40B4-BE49-F238E27FC236}">
-                <a16:creationId xmlns:a16="http://schemas.microsoft.com/office/drawing/2014/main" id="{F3202B75-1AEB-4E3C-9583-251A9A7F2D7D}"/>
-              </a:ext>
-            </a:extLst>
-          </p:cNvPr>
-          <p:cNvSpPr txBox="1"/>
-          <p:nvPr/>
-        </p:nvSpPr>
-        <p:spPr>
-          <a:xfrm>
-            <a:off x="2452048" y="5034074"/>
-            <a:ext cx="1303498" cy="338554"/>
-          </a:xfrm>
-          <a:prstGeom prst="rect">
-            <a:avLst/>
-          </a:prstGeom>
-          <a:noFill/>
-        </p:spPr>
-        <p:txBody>
-          <a:bodyPr wrap="none" rtlCol="0">
-            <a:spAutoFit/>
-          </a:bodyPr>
-          <a:lstStyle/>
-          <a:p>
-            <a:r>
-              <a:rPr lang="en-US" sz="1600" dirty="0"/>
-              <a:t>outbox/inbox</a:t>
-            </a:r>
-          </a:p>
-        </p:txBody>
-      </p:sp>
-      <p:sp>
-        <p:nvSpPr>
-          <p:cNvPr id="45" name="TextBox 44">
-            <a:extLst>
-              <a:ext uri="{FF2B5EF4-FFF2-40B4-BE49-F238E27FC236}">
-                <a16:creationId xmlns:a16="http://schemas.microsoft.com/office/drawing/2014/main" id="{2BA503EA-0865-4C5B-891F-C179489BAC98}"/>
-              </a:ext>
-            </a:extLst>
-          </p:cNvPr>
-          <p:cNvSpPr txBox="1"/>
-          <p:nvPr/>
-        </p:nvSpPr>
-        <p:spPr>
-          <a:xfrm rot="16200000">
-            <a:off x="1022748" y="3484729"/>
-            <a:ext cx="1690527" cy="369332"/>
-          </a:xfrm>
-          <a:prstGeom prst="rect">
-            <a:avLst/>
-          </a:prstGeom>
-          <a:noFill/>
-        </p:spPr>
-        <p:txBody>
-          <a:bodyPr wrap="none" rtlCol="0">
-            <a:spAutoFit/>
-          </a:bodyPr>
-          <a:lstStyle/>
-          <a:p>
-            <a:r>
-              <a:rPr lang="en-US" dirty="0"/>
-              <a:t>application data</a:t>
-            </a:r>
-          </a:p>
-        </p:txBody>
-      </p:sp>
-      <p:sp>
-        <p:nvSpPr>
-          <p:cNvPr id="46" name="TextBox 45">
-            <a:extLst>
-              <a:ext uri="{FF2B5EF4-FFF2-40B4-BE49-F238E27FC236}">
-                <a16:creationId xmlns:a16="http://schemas.microsoft.com/office/drawing/2014/main" id="{01DB1F11-1CF8-4BB4-9F28-98DD698F8E4C}"/>
-              </a:ext>
-            </a:extLst>
-          </p:cNvPr>
-          <p:cNvSpPr txBox="1"/>
-          <p:nvPr/>
-        </p:nvSpPr>
-        <p:spPr>
-          <a:xfrm rot="16200000">
-            <a:off x="8858813" y="3485594"/>
-            <a:ext cx="1690527" cy="369332"/>
-          </a:xfrm>
-          <a:prstGeom prst="rect">
-            <a:avLst/>
-          </a:prstGeom>
-          <a:noFill/>
-        </p:spPr>
-        <p:txBody>
-          <a:bodyPr wrap="none" rtlCol="0">
-            <a:spAutoFit/>
-          </a:bodyPr>
-          <a:lstStyle/>
-          <a:p>
-            <a:r>
-              <a:rPr lang="en-US" dirty="0"/>
-              <a:t>application data</a:t>
-            </a:r>
-          </a:p>
-        </p:txBody>
-      </p:sp>
-      <p:sp>
-        <p:nvSpPr>
-          <p:cNvPr id="47" name="TextBox 46">
-            <a:extLst>
-              <a:ext uri="{FF2B5EF4-FFF2-40B4-BE49-F238E27FC236}">
-                <a16:creationId xmlns:a16="http://schemas.microsoft.com/office/drawing/2014/main" id="{432CC12F-04D1-4CCD-89C4-86BE018BA9EB}"/>
-              </a:ext>
-            </a:extLst>
-          </p:cNvPr>
-          <p:cNvSpPr txBox="1"/>
-          <p:nvPr/>
-        </p:nvSpPr>
-        <p:spPr>
-          <a:xfrm>
-            <a:off x="7826754" y="5034074"/>
-            <a:ext cx="1303498" cy="338554"/>
-          </a:xfrm>
-          <a:prstGeom prst="rect">
-            <a:avLst/>
-          </a:prstGeom>
-          <a:noFill/>
-        </p:spPr>
-        <p:txBody>
-          <a:bodyPr wrap="none" rtlCol="0">
-            <a:spAutoFit/>
-          </a:bodyPr>
-          <a:lstStyle/>
-          <a:p>
-            <a:r>
-              <a:rPr lang="en-US" sz="1600" dirty="0"/>
-              <a:t>outbox/inbox</a:t>
-            </a:r>
-          </a:p>
-        </p:txBody>
-      </p:sp>
-      <p:sp>
-        <p:nvSpPr>
-          <p:cNvPr id="48" name="TextBox 47">
-            <a:extLst>
-              <a:ext uri="{FF2B5EF4-FFF2-40B4-BE49-F238E27FC236}">
-                <a16:creationId xmlns:a16="http://schemas.microsoft.com/office/drawing/2014/main" id="{FC41D173-7F7B-460B-AB4F-C9B511DBEB94}"/>
-              </a:ext>
-            </a:extLst>
-          </p:cNvPr>
-          <p:cNvSpPr txBox="1"/>
-          <p:nvPr/>
-        </p:nvSpPr>
-        <p:spPr>
-          <a:xfrm>
-            <a:off x="4891909" y="4212175"/>
-            <a:ext cx="1876476" cy="1077218"/>
-          </a:xfrm>
-          <a:prstGeom prst="rect">
-            <a:avLst/>
-          </a:prstGeom>
-          <a:solidFill>
-            <a:schemeClr val="bg1">
-              <a:lumMod val="85000"/>
-            </a:schemeClr>
-          </a:solidFill>
-        </p:spPr>
-        <p:txBody>
-          <a:bodyPr wrap="none" rtlCol="0">
-            <a:spAutoFit/>
-          </a:bodyPr>
-          <a:lstStyle/>
-          <a:p>
-            <a:pPr algn="ctr"/>
-            <a:r>
-              <a:rPr lang="en-US" sz="1600" dirty="0"/>
-              <a:t>re-connect</a:t>
-            </a:r>
-          </a:p>
-          <a:p>
-            <a:pPr algn="ctr"/>
-            <a:r>
-              <a:rPr lang="en-US" sz="1600" dirty="0"/>
-              <a:t>re-try</a:t>
-            </a:r>
-          </a:p>
-          <a:p>
-            <a:pPr algn="ctr"/>
-            <a:r>
-              <a:rPr lang="en-US" sz="1600" dirty="0"/>
-              <a:t>publish/subscribe</a:t>
-            </a:r>
-          </a:p>
-          <a:p>
-            <a:pPr algn="ctr"/>
-            <a:r>
-              <a:rPr lang="en-US" sz="1600" dirty="0"/>
-              <a:t>background workers</a:t>
-            </a:r>
-          </a:p>
-        </p:txBody>
-      </p:sp>
-      <p:cxnSp>
-        <p:nvCxnSpPr>
-          <p:cNvPr id="50" name="Connector: Elbow 49">
-            <a:extLst>
-              <a:ext uri="{FF2B5EF4-FFF2-40B4-BE49-F238E27FC236}">
-                <a16:creationId xmlns:a16="http://schemas.microsoft.com/office/drawing/2014/main" id="{5BDB109F-BE6E-45BE-AE0D-2CCE7D8F91E4}"/>
-              </a:ext>
-            </a:extLst>
-          </p:cNvPr>
-          <p:cNvCxnSpPr>
-            <a:endCxn id="48" idx="1"/>
-          </p:cNvCxnSpPr>
-          <p:nvPr/>
-        </p:nvCxnSpPr>
-        <p:spPr>
-          <a:xfrm rot="16200000" flipH="1">
-            <a:off x="4111882" y="3970757"/>
-            <a:ext cx="1128228" cy="431825"/>
-          </a:xfrm>
-          <a:prstGeom prst="bentConnector2">
-            <a:avLst/>
-          </a:prstGeom>
-          <a:ln w="12700">
-            <a:solidFill>
-              <a:schemeClr val="bg1">
-                <a:lumMod val="65000"/>
-              </a:schemeClr>
-            </a:solidFill>
-          </a:ln>
-        </p:spPr>
-        <p:style>
-          <a:lnRef idx="1">
-            <a:schemeClr val="accent1"/>
-          </a:lnRef>
-          <a:fillRef idx="0">
-            <a:schemeClr val="accent1"/>
-          </a:fillRef>
-          <a:effectRef idx="0">
-            <a:schemeClr val="accent1"/>
-          </a:effectRef>
-          <a:fontRef idx="minor">
-            <a:schemeClr val="tx1"/>
-          </a:fontRef>
-        </p:style>
-      </p:cxnSp>
-      <p:cxnSp>
-        <p:nvCxnSpPr>
-          <p:cNvPr id="53" name="Connector: Elbow 52">
-            <a:extLst>
-              <a:ext uri="{FF2B5EF4-FFF2-40B4-BE49-F238E27FC236}">
-                <a16:creationId xmlns:a16="http://schemas.microsoft.com/office/drawing/2014/main" id="{D0920B45-43B5-4FB7-8785-2BB680A4BF08}"/>
-              </a:ext>
-            </a:extLst>
-          </p:cNvPr>
-          <p:cNvCxnSpPr>
-            <a:endCxn id="48" idx="3"/>
-          </p:cNvCxnSpPr>
-          <p:nvPr/>
-        </p:nvCxnSpPr>
-        <p:spPr>
-          <a:xfrm rot="5400000">
-            <a:off x="6490698" y="3902299"/>
-            <a:ext cx="1126172" cy="570798"/>
-          </a:xfrm>
-          <a:prstGeom prst="bentConnector2">
-            <a:avLst/>
-          </a:prstGeom>
-          <a:ln w="12700">
-            <a:solidFill>
-              <a:schemeClr val="bg1">
-                <a:lumMod val="65000"/>
-              </a:schemeClr>
-            </a:solidFill>
-          </a:ln>
-        </p:spPr>
-        <p:style>
-          <a:lnRef idx="1">
-            <a:schemeClr val="accent1"/>
-          </a:lnRef>
-          <a:fillRef idx="0">
-            <a:schemeClr val="accent1"/>
-          </a:fillRef>
-          <a:effectRef idx="0">
-            <a:schemeClr val="accent1"/>
-          </a:effectRef>
-          <a:fontRef idx="minor">
-            <a:schemeClr val="tx1"/>
-          </a:fontRef>
-        </p:style>
-      </p:cxnSp>
-      <p:sp>
-        <p:nvSpPr>
-          <p:cNvPr id="54" name="TextBox 53">
-            <a:extLst>
-              <a:ext uri="{FF2B5EF4-FFF2-40B4-BE49-F238E27FC236}">
-                <a16:creationId xmlns:a16="http://schemas.microsoft.com/office/drawing/2014/main" id="{BC2CC65B-A2C9-4FA1-B5A7-EB9ED9E6F264}"/>
-              </a:ext>
-            </a:extLst>
-          </p:cNvPr>
-          <p:cNvSpPr txBox="1"/>
-          <p:nvPr/>
-        </p:nvSpPr>
-        <p:spPr>
-          <a:xfrm rot="16200000">
-            <a:off x="2586549" y="2808708"/>
-            <a:ext cx="654218" cy="338554"/>
-          </a:xfrm>
-          <a:prstGeom prst="rect">
-            <a:avLst/>
-          </a:prstGeom>
-          <a:noFill/>
-        </p:spPr>
-        <p:txBody>
-          <a:bodyPr wrap="none" rtlCol="0">
-            <a:spAutoFit/>
-          </a:bodyPr>
-          <a:lstStyle/>
-          <a:p>
-            <a:r>
-              <a:rPr lang="en-US" sz="1600" dirty="0"/>
-              <a:t>event</a:t>
-            </a:r>
-          </a:p>
-        </p:txBody>
-      </p:sp>
-      <p:sp>
-        <p:nvSpPr>
-          <p:cNvPr id="55" name="TextBox 54">
-            <a:extLst>
-              <a:ext uri="{FF2B5EF4-FFF2-40B4-BE49-F238E27FC236}">
-                <a16:creationId xmlns:a16="http://schemas.microsoft.com/office/drawing/2014/main" id="{20029900-E26B-4FC2-97F3-90487A2CB3F6}"/>
-              </a:ext>
-            </a:extLst>
-          </p:cNvPr>
-          <p:cNvSpPr txBox="1"/>
-          <p:nvPr/>
-        </p:nvSpPr>
-        <p:spPr>
-          <a:xfrm rot="16200000">
-            <a:off x="8058136" y="2815432"/>
-            <a:ext cx="654218" cy="338554"/>
-          </a:xfrm>
-          <a:prstGeom prst="rect">
-            <a:avLst/>
-          </a:prstGeom>
-          <a:noFill/>
-        </p:spPr>
-        <p:txBody>
-          <a:bodyPr wrap="none" rtlCol="0">
-            <a:spAutoFit/>
-          </a:bodyPr>
-          <a:lstStyle/>
-          <a:p>
-            <a:r>
-              <a:rPr lang="en-US" sz="1600" dirty="0"/>
-              <a:t>event</a:t>
-            </a:r>
-          </a:p>
-        </p:txBody>
-      </p:sp>
-    </p:spTree>
-    <p:extLst>
-      <p:ext uri="{BB962C8B-B14F-4D97-AF65-F5344CB8AC3E}">
-        <p14:creationId xmlns:p14="http://schemas.microsoft.com/office/powerpoint/2010/main" val="1877400763"/>
-      </p:ext>
-    </p:extLst>
-  </p:cSld>
-  <p:clrMapOvr>
-    <a:masterClrMapping/>
-  </p:clrMapOvr>
-</p:sld>
-</file>
-
-<file path=ppt/slides/slide16.xml><?xml version="1.0" encoding="utf-8"?>
-<p:sld xmlns:a="http://schemas.openxmlformats.org/drawingml/2006/main" xmlns:r="http://schemas.openxmlformats.org/officeDocument/2006/relationships" xmlns:p="http://schemas.openxmlformats.org/presentationml/2006/main">
-  <p:cSld>
-    <p:bg>
-      <p:bgPr>
-        <a:blipFill dpi="0" rotWithShape="1">
-          <a:blip r:embed="rId2">
-            <a:lum/>
-          </a:blip>
-          <a:srcRect/>
-          <a:stretch>
-            <a:fillRect/>
-          </a:stretch>
-        </a:blipFill>
-        <a:effectLst/>
-      </p:bgPr>
-    </p:bg>
-    <p:spTree>
-      <p:nvGrpSpPr>
-        <p:cNvPr id="1" name=""/>
-        <p:cNvGrpSpPr/>
-        <p:nvPr/>
-      </p:nvGrpSpPr>
-      <p:grpSpPr>
-        <a:xfrm>
-          <a:off x="0" y="0"/>
-          <a:ext cx="0" cy="0"/>
-          <a:chOff x="0" y="0"/>
-          <a:chExt cx="0" cy="0"/>
-        </a:xfrm>
-      </p:grpSpPr>
-      <p:sp>
-        <p:nvSpPr>
-          <p:cNvPr id="2" name="Başlık 1">
-            <a:extLst>
-              <a:ext uri="{FF2B5EF4-FFF2-40B4-BE49-F238E27FC236}">
-                <a16:creationId xmlns:a16="http://schemas.microsoft.com/office/drawing/2014/main" id="{FC0E68DA-A67F-4697-854D-AE37C5BA5BFA}"/>
-              </a:ext>
-            </a:extLst>
-          </p:cNvPr>
-          <p:cNvSpPr>
-            <a:spLocks noGrp="1"/>
-          </p:cNvSpPr>
-          <p:nvPr>
-            <p:ph type="ctrTitle"/>
-          </p:nvPr>
-        </p:nvSpPr>
-        <p:spPr>
-          <a:xfrm>
-            <a:off x="952500" y="885825"/>
-            <a:ext cx="10287000" cy="1066800"/>
-          </a:xfrm>
-        </p:spPr>
-        <p:txBody>
-          <a:bodyPr anchor="ctr">
-            <a:normAutofit/>
-          </a:bodyPr>
-          <a:lstStyle/>
-          <a:p>
-            <a:pPr algn="l"/>
-            <a:r>
-              <a:rPr lang="en-US" sz="4000" dirty="0">
-                <a:solidFill>
-                  <a:srgbClr val="44013C"/>
-                </a:solidFill>
-                <a:latin typeface="Segoe UI Semibold" panose="020B0702040204020203" pitchFamily="34" charset="0"/>
-                <a:cs typeface="Segoe UI Semibold" panose="020B0702040204020203" pitchFamily="34" charset="0"/>
-              </a:rPr>
-              <a:t>TODO: Title</a:t>
-            </a:r>
-            <a:endParaRPr lang="tr-TR" sz="4000" dirty="0">
-              <a:solidFill>
-                <a:srgbClr val="44013C"/>
-              </a:solidFill>
-            </a:endParaRPr>
-          </a:p>
-        </p:txBody>
-      </p:sp>
-      <p:sp>
-        <p:nvSpPr>
-          <p:cNvPr id="4" name="Başlık 1">
-            <a:extLst>
-              <a:ext uri="{FF2B5EF4-FFF2-40B4-BE49-F238E27FC236}">
-                <a16:creationId xmlns:a16="http://schemas.microsoft.com/office/drawing/2014/main" id="{96A1982A-6408-4D1D-8BA5-BE7B17D51BB4}"/>
-              </a:ext>
-            </a:extLst>
-          </p:cNvPr>
-          <p:cNvSpPr txBox="1">
-            <a:spLocks/>
-          </p:cNvSpPr>
-          <p:nvPr/>
-        </p:nvSpPr>
-        <p:spPr>
-          <a:xfrm>
-            <a:off x="952500" y="1952625"/>
-            <a:ext cx="10287000" cy="4286250"/>
-          </a:xfrm>
-          <a:prstGeom prst="rect">
-            <a:avLst/>
-          </a:prstGeom>
-        </p:spPr>
-        <p:txBody>
-          <a:bodyPr vert="horz" lIns="91440" tIns="45720" rIns="91440" bIns="45720" rtlCol="0" anchor="t">
-            <a:noAutofit/>
-          </a:bodyPr>
-          <a:lstStyle>
-            <a:lvl1pPr algn="ctr" defTabSz="914400" rtl="0" eaLnBrk="1" latinLnBrk="0" hangingPunct="1">
-              <a:lnSpc>
-                <a:spcPct val="90000"/>
-              </a:lnSpc>
-              <a:spcBef>
-                <a:spcPct val="0"/>
-              </a:spcBef>
-              <a:buNone/>
-              <a:defRPr sz="6000" kern="1200">
-                <a:solidFill>
-                  <a:schemeClr val="tx1"/>
-                </a:solidFill>
-                <a:latin typeface="+mj-lt"/>
-                <a:ea typeface="+mj-ea"/>
-                <a:cs typeface="+mj-cs"/>
-              </a:defRPr>
-            </a:lvl1pPr>
-          </a:lstStyle>
-          <a:p>
-            <a:pPr algn="just">
-              <a:lnSpc>
-                <a:spcPct val="150000"/>
-              </a:lnSpc>
-            </a:pPr>
-            <a:r>
-              <a:rPr lang="en-US" sz="2000" b="0" i="0" dirty="0">
-                <a:solidFill>
-                  <a:schemeClr val="tx1">
-                    <a:lumMod val="75000"/>
-                    <a:lumOff val="25000"/>
-                  </a:schemeClr>
-                </a:solidFill>
-                <a:effectLst/>
-                <a:latin typeface="Open Sans" panose="020B0604020202020204" pitchFamily="34" charset="0"/>
-              </a:rPr>
-              <a:t>…</a:t>
-            </a:r>
-            <a:endParaRPr lang="tr-TR" sz="2000" b="0" i="0" dirty="0">
-              <a:solidFill>
-                <a:schemeClr val="tx1">
-                  <a:lumMod val="75000"/>
-                  <a:lumOff val="25000"/>
-                </a:schemeClr>
-              </a:solidFill>
-              <a:effectLst/>
-              <a:latin typeface="Open Sans" panose="020B0604020202020204" pitchFamily="34" charset="0"/>
-            </a:endParaRPr>
-          </a:p>
-        </p:txBody>
-      </p:sp>
-    </p:spTree>
-    <p:extLst>
-      <p:ext uri="{BB962C8B-B14F-4D97-AF65-F5344CB8AC3E}">
-        <p14:creationId xmlns:p14="http://schemas.microsoft.com/office/powerpoint/2010/main" val="2107454420"/>
-      </p:ext>
-    </p:extLst>
-  </p:cSld>
-  <p:clrMapOvr>
-    <a:masterClrMapping/>
-  </p:clrMapOvr>
-</p:sld>
-</file>
-
 <file path=ppt/slides/slide17.xml><?xml version="1.0" encoding="utf-8"?>
 <p:sld xmlns:a="http://schemas.openxmlformats.org/drawingml/2006/main" xmlns:r="http://schemas.openxmlformats.org/officeDocument/2006/relationships" xmlns:p="http://schemas.openxmlformats.org/presentationml/2006/main">
   <p:cSld>
@@ -6663,10 +7158,10 @@
       </p:grpSpPr>
       <p:sp>
         <p:nvSpPr>
-          <p:cNvPr id="7" name="Başlık 6">
-            <a:extLst>
-              <a:ext uri="{FF2B5EF4-FFF2-40B4-BE49-F238E27FC236}">
-                <a16:creationId xmlns:a16="http://schemas.microsoft.com/office/drawing/2014/main" id="{D2F15B71-2E54-472F-AD0B-A90EFD5F8209}"/>
+          <p:cNvPr id="2" name="Başlık 1">
+            <a:extLst>
+              <a:ext uri="{FF2B5EF4-FFF2-40B4-BE49-F238E27FC236}">
+                <a16:creationId xmlns:a16="http://schemas.microsoft.com/office/drawing/2014/main" id="{FC0E68DA-A67F-4697-854D-AE37C5BA5BFA}"/>
               </a:ext>
             </a:extLst>
           </p:cNvPr>
@@ -6679,8 +7174,8 @@
         </p:nvSpPr>
         <p:spPr>
           <a:xfrm>
-            <a:off x="1019175" y="1404143"/>
-            <a:ext cx="10153650" cy="4068763"/>
+            <a:off x="952500" y="885825"/>
+            <a:ext cx="10287000" cy="1066800"/>
           </a:xfrm>
         </p:spPr>
         <p:txBody>
@@ -6689,70 +7184,239 @@
           </a:bodyPr>
           <a:lstStyle/>
           <a:p>
-            <a:r>
-              <a:rPr lang="en-US" sz="4800" dirty="0">
+            <a:pPr algn="l"/>
+            <a:r>
+              <a:rPr lang="en-US" sz="4000" dirty="0">
                 <a:solidFill>
-                  <a:schemeClr val="bg1"/>
+                  <a:srgbClr val="44013C"/>
                 </a:solidFill>
                 <a:latin typeface="Segoe UI Semibold" panose="020B0702040204020203" pitchFamily="34" charset="0"/>
                 <a:cs typeface="Segoe UI Semibold" panose="020B0702040204020203" pitchFamily="34" charset="0"/>
               </a:rPr>
-              <a:t>Subtitle If You Need for Lorem Ipsum Dolor Sit </a:t>
-            </a:r>
-            <a:r>
-              <a:rPr lang="en-US" sz="4800" dirty="0" err="1">
-                <a:solidFill>
-                  <a:schemeClr val="bg1"/>
-                </a:solidFill>
-                <a:latin typeface="Segoe UI Semibold" panose="020B0702040204020203" pitchFamily="34" charset="0"/>
-                <a:cs typeface="Segoe UI Semibold" panose="020B0702040204020203" pitchFamily="34" charset="0"/>
-              </a:rPr>
-              <a:t>Amet</a:t>
-            </a:r>
-            <a:r>
-              <a:rPr lang="en-US" sz="4800" dirty="0">
-                <a:solidFill>
-                  <a:schemeClr val="bg1"/>
-                </a:solidFill>
-                <a:latin typeface="Segoe UI Semibold" panose="020B0702040204020203" pitchFamily="34" charset="0"/>
-                <a:cs typeface="Segoe UI Semibold" panose="020B0702040204020203" pitchFamily="34" charset="0"/>
-              </a:rPr>
-              <a:t> </a:t>
-            </a:r>
-            <a:r>
-              <a:rPr lang="en-US" sz="4800" dirty="0" err="1">
-                <a:solidFill>
-                  <a:schemeClr val="bg1"/>
-                </a:solidFill>
-                <a:latin typeface="Segoe UI Semibold" panose="020B0702040204020203" pitchFamily="34" charset="0"/>
-                <a:cs typeface="Segoe UI Semibold" panose="020B0702040204020203" pitchFamily="34" charset="0"/>
-              </a:rPr>
-              <a:t>Miadrso</a:t>
-            </a:r>
-            <a:r>
-              <a:rPr lang="en-US" sz="4800" dirty="0">
-                <a:solidFill>
-                  <a:schemeClr val="bg1"/>
-                </a:solidFill>
-                <a:latin typeface="Segoe UI Semibold" panose="020B0702040204020203" pitchFamily="34" charset="0"/>
-                <a:cs typeface="Segoe UI Semibold" panose="020B0702040204020203" pitchFamily="34" charset="0"/>
-              </a:rPr>
-              <a:t> ABP Framework</a:t>
-            </a:r>
-            <a:endParaRPr lang="tr-TR" sz="4800" dirty="0"/>
-          </a:p>
-        </p:txBody>
-      </p:sp>
+              <a:t>ABP Input Tag Helpers</a:t>
+            </a:r>
+            <a:endParaRPr lang="tr-TR" sz="4000" dirty="0">
+              <a:solidFill>
+                <a:srgbClr val="44013C"/>
+              </a:solidFill>
+            </a:endParaRPr>
+          </a:p>
+        </p:txBody>
+      </p:sp>
+      <p:pic>
+        <p:nvPicPr>
+          <p:cNvPr id="5" name="Content Placeholder 4">
+            <a:extLst>
+              <a:ext uri="{FF2B5EF4-FFF2-40B4-BE49-F238E27FC236}">
+                <a16:creationId xmlns:a16="http://schemas.microsoft.com/office/drawing/2014/main" id="{3A3D7B76-425D-4CD2-BD5C-74BB87EDB478}"/>
+              </a:ext>
+            </a:extLst>
+          </p:cNvPr>
+          <p:cNvPicPr>
+            <a:picLocks noChangeAspect="1"/>
+          </p:cNvPicPr>
+          <p:nvPr/>
+        </p:nvPicPr>
+        <p:blipFill>
+          <a:blip r:embed="rId3"/>
+          <a:stretch>
+            <a:fillRect/>
+          </a:stretch>
+        </p:blipFill>
+        <p:spPr>
+          <a:xfrm>
+            <a:off x="2037061" y="1952625"/>
+            <a:ext cx="6604499" cy="2778703"/>
+          </a:xfrm>
+          <a:prstGeom prst="rect">
+            <a:avLst/>
+          </a:prstGeom>
+          <a:ln>
+            <a:solidFill>
+              <a:schemeClr val="bg1">
+                <a:lumMod val="50000"/>
+              </a:schemeClr>
+            </a:solidFill>
+          </a:ln>
+        </p:spPr>
+      </p:pic>
+      <p:pic>
+        <p:nvPicPr>
+          <p:cNvPr id="6" name="Picture 5">
+            <a:extLst>
+              <a:ext uri="{FF2B5EF4-FFF2-40B4-BE49-F238E27FC236}">
+                <a16:creationId xmlns:a16="http://schemas.microsoft.com/office/drawing/2014/main" id="{B5AC7A1D-0873-4DD4-856B-710526F2B3A2}"/>
+              </a:ext>
+            </a:extLst>
+          </p:cNvPr>
+          <p:cNvPicPr>
+            <a:picLocks noChangeAspect="1"/>
+          </p:cNvPicPr>
+          <p:nvPr/>
+        </p:nvPicPr>
+        <p:blipFill>
+          <a:blip r:embed="rId4"/>
+          <a:stretch>
+            <a:fillRect/>
+          </a:stretch>
+        </p:blipFill>
+        <p:spPr>
+          <a:xfrm>
+            <a:off x="2037061" y="5443616"/>
+            <a:ext cx="7213060" cy="805766"/>
+          </a:xfrm>
+          <a:prstGeom prst="rect">
+            <a:avLst/>
+          </a:prstGeom>
+          <a:ln>
+            <a:solidFill>
+              <a:schemeClr val="bg1">
+                <a:lumMod val="50000"/>
+              </a:schemeClr>
+            </a:solidFill>
+          </a:ln>
+        </p:spPr>
+      </p:pic>
+      <p:cxnSp>
+        <p:nvCxnSpPr>
+          <p:cNvPr id="7" name="Straight Arrow Connector 6">
+            <a:extLst>
+              <a:ext uri="{FF2B5EF4-FFF2-40B4-BE49-F238E27FC236}">
+                <a16:creationId xmlns:a16="http://schemas.microsoft.com/office/drawing/2014/main" id="{972E0CC0-1506-4615-AE62-7EB32DA27139}"/>
+              </a:ext>
+            </a:extLst>
+          </p:cNvPr>
+          <p:cNvCxnSpPr>
+            <a:stCxn id="5" idx="2"/>
+          </p:cNvCxnSpPr>
+          <p:nvPr/>
+        </p:nvCxnSpPr>
+        <p:spPr>
+          <a:xfrm flipH="1">
+            <a:off x="5339310" y="4731328"/>
+            <a:ext cx="1" cy="711200"/>
+          </a:xfrm>
+          <a:prstGeom prst="straightConnector1">
+            <a:avLst/>
+          </a:prstGeom>
+          <a:ln w="50800">
+            <a:solidFill>
+              <a:schemeClr val="tx1"/>
+            </a:solidFill>
+            <a:tailEnd type="triangle"/>
+          </a:ln>
+        </p:spPr>
+        <p:style>
+          <a:lnRef idx="1">
+            <a:schemeClr val="accent1"/>
+          </a:lnRef>
+          <a:fillRef idx="0">
+            <a:schemeClr val="accent1"/>
+          </a:fillRef>
+          <a:effectRef idx="0">
+            <a:schemeClr val="accent1"/>
+          </a:effectRef>
+          <a:fontRef idx="minor">
+            <a:schemeClr val="tx1"/>
+          </a:fontRef>
+        </p:style>
+      </p:cxnSp>
     </p:spTree>
     <p:extLst>
       <p:ext uri="{BB962C8B-B14F-4D97-AF65-F5344CB8AC3E}">
-        <p14:creationId xmlns:p14="http://schemas.microsoft.com/office/powerpoint/2010/main" val="3984260866"/>
+        <p14:creationId xmlns:p14="http://schemas.microsoft.com/office/powerpoint/2010/main" val="502460835"/>
       </p:ext>
     </p:extLst>
   </p:cSld>
   <p:clrMapOvr>
     <a:masterClrMapping/>
   </p:clrMapOvr>
+  <p:timing>
+    <p:tnLst>
+      <p:par>
+        <p:cTn id="1" dur="indefinite" restart="never" nodeType="tmRoot">
+          <p:childTnLst>
+            <p:seq concurrent="1" nextAc="seek">
+              <p:cTn id="2" dur="indefinite" nodeType="mainSeq">
+                <p:childTnLst>
+                  <p:par>
+                    <p:cTn id="3" fill="hold">
+                      <p:stCondLst>
+                        <p:cond delay="indefinite"/>
+                        <p:cond evt="onBegin" delay="0">
+                          <p:tn val="2"/>
+                        </p:cond>
+                      </p:stCondLst>
+                      <p:childTnLst>
+                        <p:par>
+                          <p:cTn id="4" fill="hold">
+                            <p:stCondLst>
+                              <p:cond delay="0"/>
+                            </p:stCondLst>
+                            <p:childTnLst>
+                              <p:par>
+                                <p:cTn id="5" presetID="10" presetClass="entr" presetSubtype="0" fill="hold" nodeType="withEffect">
+                                  <p:stCondLst>
+                                    <p:cond delay="0"/>
+                                  </p:stCondLst>
+                                  <p:childTnLst>
+                                    <p:set>
+                                      <p:cBhvr>
+                                        <p:cTn id="6" dur="1" fill="hold">
+                                          <p:stCondLst>
+                                            <p:cond delay="0"/>
+                                          </p:stCondLst>
+                                        </p:cTn>
+                                        <p:tgtEl>
+                                          <p:spTgt spid="6"/>
+                                        </p:tgtEl>
+                                        <p:attrNameLst>
+                                          <p:attrName>style.visibility</p:attrName>
+                                        </p:attrNameLst>
+                                      </p:cBhvr>
+                                      <p:to>
+                                        <p:strVal val="visible"/>
+                                      </p:to>
+                                    </p:set>
+                                    <p:animEffect transition="in" filter="fade">
+                                      <p:cBhvr>
+                                        <p:cTn id="7" dur="500"/>
+                                        <p:tgtEl>
+                                          <p:spTgt spid="6"/>
+                                        </p:tgtEl>
+                                      </p:cBhvr>
+                                    </p:animEffect>
+                                  </p:childTnLst>
+                                </p:cTn>
+                              </p:par>
+                            </p:childTnLst>
+                          </p:cTn>
+                        </p:par>
+                      </p:childTnLst>
+                    </p:cTn>
+                  </p:par>
+                </p:childTnLst>
+              </p:cTn>
+              <p:prevCondLst>
+                <p:cond evt="onPrev" delay="0">
+                  <p:tgtEl>
+                    <p:sldTgt/>
+                  </p:tgtEl>
+                </p:cond>
+              </p:prevCondLst>
+              <p:nextCondLst>
+                <p:cond evt="onNext" delay="0">
+                  <p:tgtEl>
+                    <p:sldTgt/>
+                  </p:tgtEl>
+                </p:cond>
+              </p:nextCondLst>
+            </p:seq>
+          </p:childTnLst>
+        </p:cTn>
+      </p:par>
+    </p:tnLst>
+  </p:timing>
 </p:sld>
 </file>
 
@@ -6789,10 +7453,10 @@
       </p:grpSpPr>
       <p:sp>
         <p:nvSpPr>
-          <p:cNvPr id="7" name="Başlık 6">
-            <a:extLst>
-              <a:ext uri="{FF2B5EF4-FFF2-40B4-BE49-F238E27FC236}">
-                <a16:creationId xmlns:a16="http://schemas.microsoft.com/office/drawing/2014/main" id="{D2F15B71-2E54-472F-AD0B-A90EFD5F8209}"/>
+          <p:cNvPr id="2" name="Başlık 1">
+            <a:extLst>
+              <a:ext uri="{FF2B5EF4-FFF2-40B4-BE49-F238E27FC236}">
+                <a16:creationId xmlns:a16="http://schemas.microsoft.com/office/drawing/2014/main" id="{FC0E68DA-A67F-4697-854D-AE37C5BA5BFA}"/>
               </a:ext>
             </a:extLst>
           </p:cNvPr>
@@ -6805,8 +7469,8 @@
         </p:nvSpPr>
         <p:spPr>
           <a:xfrm>
-            <a:off x="1019175" y="1404143"/>
-            <a:ext cx="10153650" cy="4068763"/>
+            <a:off x="952500" y="885825"/>
+            <a:ext cx="10287000" cy="1066800"/>
           </a:xfrm>
         </p:spPr>
         <p:txBody>
@@ -6815,64 +7479,107 @@
           </a:bodyPr>
           <a:lstStyle/>
           <a:p>
-            <a:r>
-              <a:rPr lang="en-US" sz="4800" dirty="0">
+            <a:pPr algn="l"/>
+            <a:r>
+              <a:rPr lang="en-US" sz="4000" dirty="0">
                 <a:solidFill>
-                  <a:schemeClr val="bg1"/>
+                  <a:srgbClr val="44013C"/>
                 </a:solidFill>
                 <a:latin typeface="Segoe UI Semibold" panose="020B0702040204020203" pitchFamily="34" charset="0"/>
                 <a:cs typeface="Segoe UI Semibold" panose="020B0702040204020203" pitchFamily="34" charset="0"/>
               </a:rPr>
-              <a:t>Subtitle If You Need for Lorem Ipsum Dolor Sit </a:t>
-            </a:r>
-            <a:r>
-              <a:rPr lang="en-US" sz="4800" dirty="0" err="1">
+              <a:t>TODO: Title</a:t>
+            </a:r>
+            <a:endParaRPr lang="tr-TR" sz="4000" dirty="0">
+              <a:solidFill>
+                <a:srgbClr val="44013C"/>
+              </a:solidFill>
+            </a:endParaRPr>
+          </a:p>
+        </p:txBody>
+      </p:sp>
+      <p:sp>
+        <p:nvSpPr>
+          <p:cNvPr id="4" name="Başlık 1">
+            <a:extLst>
+              <a:ext uri="{FF2B5EF4-FFF2-40B4-BE49-F238E27FC236}">
+                <a16:creationId xmlns:a16="http://schemas.microsoft.com/office/drawing/2014/main" id="{96A1982A-6408-4D1D-8BA5-BE7B17D51BB4}"/>
+              </a:ext>
+            </a:extLst>
+          </p:cNvPr>
+          <p:cNvSpPr txBox="1">
+            <a:spLocks/>
+          </p:cNvSpPr>
+          <p:nvPr/>
+        </p:nvSpPr>
+        <p:spPr>
+          <a:xfrm>
+            <a:off x="952500" y="1952625"/>
+            <a:ext cx="10287000" cy="4286250"/>
+          </a:xfrm>
+          <a:prstGeom prst="rect">
+            <a:avLst/>
+          </a:prstGeom>
+        </p:spPr>
+        <p:txBody>
+          <a:bodyPr vert="horz" lIns="91440" tIns="45720" rIns="91440" bIns="45720" rtlCol="0" anchor="t">
+            <a:noAutofit/>
+          </a:bodyPr>
+          <a:lstStyle>
+            <a:lvl1pPr algn="ctr" defTabSz="914400" rtl="0" eaLnBrk="1" latinLnBrk="0" hangingPunct="1">
+              <a:lnSpc>
+                <a:spcPct val="90000"/>
+              </a:lnSpc>
+              <a:spcBef>
+                <a:spcPct val="0"/>
+              </a:spcBef>
+              <a:buNone/>
+              <a:defRPr sz="6000" kern="1200">
                 <a:solidFill>
-                  <a:schemeClr val="bg1"/>
+                  <a:schemeClr val="tx1"/>
                 </a:solidFill>
-                <a:latin typeface="Segoe UI Semibold" panose="020B0702040204020203" pitchFamily="34" charset="0"/>
-                <a:cs typeface="Segoe UI Semibold" panose="020B0702040204020203" pitchFamily="34" charset="0"/>
+                <a:latin typeface="+mj-lt"/>
+                <a:ea typeface="+mj-ea"/>
+                <a:cs typeface="+mj-cs"/>
+              </a:defRPr>
+            </a:lvl1pPr>
+          </a:lstStyle>
+          <a:p>
+            <a:pPr algn="just">
+              <a:lnSpc>
+                <a:spcPct val="150000"/>
+              </a:lnSpc>
+            </a:pPr>
+            <a:r>
+              <a:rPr lang="en-US" sz="2000" b="0" i="0" dirty="0">
+                <a:solidFill>
+                  <a:schemeClr val="tx1">
+                    <a:lumMod val="75000"/>
+                    <a:lumOff val="25000"/>
+                  </a:schemeClr>
+                </a:solidFill>
+                <a:effectLst/>
+                <a:latin typeface="Open Sans" panose="020B0604020202020204" pitchFamily="34" charset="0"/>
               </a:rPr>
-              <a:t>Amet</a:t>
-            </a:r>
-            <a:r>
-              <a:rPr lang="en-US" sz="4800" dirty="0">
-                <a:solidFill>
-                  <a:schemeClr val="bg1"/>
-                </a:solidFill>
-                <a:latin typeface="Segoe UI Semibold" panose="020B0702040204020203" pitchFamily="34" charset="0"/>
-                <a:cs typeface="Segoe UI Semibold" panose="020B0702040204020203" pitchFamily="34" charset="0"/>
-              </a:rPr>
-              <a:t> </a:t>
-            </a:r>
-            <a:r>
-              <a:rPr lang="en-US" sz="4800" dirty="0" err="1">
-                <a:solidFill>
-                  <a:schemeClr val="bg1"/>
-                </a:solidFill>
-                <a:latin typeface="Segoe UI Semibold" panose="020B0702040204020203" pitchFamily="34" charset="0"/>
-                <a:cs typeface="Segoe UI Semibold" panose="020B0702040204020203" pitchFamily="34" charset="0"/>
-              </a:rPr>
-              <a:t>Miadrso</a:t>
-            </a:r>
-            <a:r>
-              <a:rPr lang="en-US" sz="4800" dirty="0">
-                <a:solidFill>
-                  <a:schemeClr val="bg1"/>
-                </a:solidFill>
-                <a:latin typeface="Segoe UI Semibold" panose="020B0702040204020203" pitchFamily="34" charset="0"/>
-                <a:cs typeface="Segoe UI Semibold" panose="020B0702040204020203" pitchFamily="34" charset="0"/>
-              </a:rPr>
-              <a:t> ABP Framework</a:t>
-            </a:r>
-            <a:endParaRPr lang="tr-TR" sz="4800" dirty="0"/>
+              <a:t>…</a:t>
+            </a:r>
+            <a:endParaRPr lang="tr-TR" sz="2000" b="0" i="0" dirty="0">
+              <a:solidFill>
+                <a:schemeClr val="tx1">
+                  <a:lumMod val="75000"/>
+                  <a:lumOff val="25000"/>
+                </a:schemeClr>
+              </a:solidFill>
+              <a:effectLst/>
+              <a:latin typeface="Open Sans" panose="020B0604020202020204" pitchFamily="34" charset="0"/>
+            </a:endParaRPr>
           </a:p>
         </p:txBody>
       </p:sp>
     </p:spTree>
     <p:extLst>
       <p:ext uri="{BB962C8B-B14F-4D97-AF65-F5344CB8AC3E}">
-        <p14:creationId xmlns:p14="http://schemas.microsoft.com/office/powerpoint/2010/main" val="2737754209"/>
+        <p14:creationId xmlns:p14="http://schemas.microsoft.com/office/powerpoint/2010/main" val="2107454420"/>
       </p:ext>
     </p:extLst>
   </p:cSld>
@@ -6915,10 +7622,10 @@
       </p:grpSpPr>
       <p:sp>
         <p:nvSpPr>
-          <p:cNvPr id="2" name="Başlık 1">
-            <a:extLst>
-              <a:ext uri="{FF2B5EF4-FFF2-40B4-BE49-F238E27FC236}">
-                <a16:creationId xmlns:a16="http://schemas.microsoft.com/office/drawing/2014/main" id="{FC0E68DA-A67F-4697-854D-AE37C5BA5BFA}"/>
+          <p:cNvPr id="7" name="Başlık 6">
+            <a:extLst>
+              <a:ext uri="{FF2B5EF4-FFF2-40B4-BE49-F238E27FC236}">
+                <a16:creationId xmlns:a16="http://schemas.microsoft.com/office/drawing/2014/main" id="{D2F15B71-2E54-472F-AD0B-A90EFD5F8209}"/>
               </a:ext>
             </a:extLst>
           </p:cNvPr>
@@ -6931,8 +7638,8 @@
         </p:nvSpPr>
         <p:spPr>
           <a:xfrm>
-            <a:off x="952500" y="885825"/>
-            <a:ext cx="10287000" cy="1066800"/>
+            <a:off x="1019175" y="1404143"/>
+            <a:ext cx="10153650" cy="4068763"/>
           </a:xfrm>
         </p:spPr>
         <p:txBody>
@@ -6941,107 +7648,64 @@
           </a:bodyPr>
           <a:lstStyle/>
           <a:p>
-            <a:pPr algn="l"/>
-            <a:r>
-              <a:rPr lang="en-US" sz="4000" dirty="0">
+            <a:r>
+              <a:rPr lang="en-US" sz="4800" dirty="0">
                 <a:solidFill>
-                  <a:srgbClr val="44013C"/>
+                  <a:schemeClr val="bg1"/>
                 </a:solidFill>
                 <a:latin typeface="Segoe UI Semibold" panose="020B0702040204020203" pitchFamily="34" charset="0"/>
                 <a:cs typeface="Segoe UI Semibold" panose="020B0702040204020203" pitchFamily="34" charset="0"/>
               </a:rPr>
-              <a:t>TODO: Title</a:t>
-            </a:r>
-            <a:endParaRPr lang="tr-TR" sz="4000" dirty="0">
-              <a:solidFill>
-                <a:srgbClr val="44013C"/>
-              </a:solidFill>
-            </a:endParaRPr>
-          </a:p>
-        </p:txBody>
-      </p:sp>
-      <p:sp>
-        <p:nvSpPr>
-          <p:cNvPr id="4" name="Başlık 1">
-            <a:extLst>
-              <a:ext uri="{FF2B5EF4-FFF2-40B4-BE49-F238E27FC236}">
-                <a16:creationId xmlns:a16="http://schemas.microsoft.com/office/drawing/2014/main" id="{96A1982A-6408-4D1D-8BA5-BE7B17D51BB4}"/>
-              </a:ext>
-            </a:extLst>
-          </p:cNvPr>
-          <p:cNvSpPr txBox="1">
-            <a:spLocks/>
-          </p:cNvSpPr>
-          <p:nvPr/>
-        </p:nvSpPr>
-        <p:spPr>
-          <a:xfrm>
-            <a:off x="952500" y="1952625"/>
-            <a:ext cx="10287000" cy="4286250"/>
-          </a:xfrm>
-          <a:prstGeom prst="rect">
-            <a:avLst/>
-          </a:prstGeom>
-        </p:spPr>
-        <p:txBody>
-          <a:bodyPr vert="horz" lIns="91440" tIns="45720" rIns="91440" bIns="45720" rtlCol="0" anchor="t">
-            <a:noAutofit/>
-          </a:bodyPr>
-          <a:lstStyle>
-            <a:lvl1pPr algn="ctr" defTabSz="914400" rtl="0" eaLnBrk="1" latinLnBrk="0" hangingPunct="1">
-              <a:lnSpc>
-                <a:spcPct val="90000"/>
-              </a:lnSpc>
-              <a:spcBef>
-                <a:spcPct val="0"/>
-              </a:spcBef>
-              <a:buNone/>
-              <a:defRPr sz="6000" kern="1200">
+              <a:t>Subtitle If You Need for Lorem Ipsum Dolor Sit </a:t>
+            </a:r>
+            <a:r>
+              <a:rPr lang="en-US" sz="4800" dirty="0" err="1">
                 <a:solidFill>
-                  <a:schemeClr val="tx1"/>
+                  <a:schemeClr val="bg1"/>
                 </a:solidFill>
-                <a:latin typeface="+mj-lt"/>
-                <a:ea typeface="+mj-ea"/>
-                <a:cs typeface="+mj-cs"/>
-              </a:defRPr>
-            </a:lvl1pPr>
-          </a:lstStyle>
-          <a:p>
-            <a:pPr algn="just">
-              <a:lnSpc>
-                <a:spcPct val="150000"/>
-              </a:lnSpc>
-            </a:pPr>
-            <a:r>
-              <a:rPr lang="en-US" sz="2000" b="0" i="0" dirty="0">
+                <a:latin typeface="Segoe UI Semibold" panose="020B0702040204020203" pitchFamily="34" charset="0"/>
+                <a:cs typeface="Segoe UI Semibold" panose="020B0702040204020203" pitchFamily="34" charset="0"/>
+              </a:rPr>
+              <a:t>Amet</a:t>
+            </a:r>
+            <a:r>
+              <a:rPr lang="en-US" sz="4800" dirty="0">
                 <a:solidFill>
-                  <a:schemeClr val="tx1">
-                    <a:lumMod val="75000"/>
-                    <a:lumOff val="25000"/>
-                  </a:schemeClr>
+                  <a:schemeClr val="bg1"/>
                 </a:solidFill>
-                <a:effectLst/>
-                <a:latin typeface="Open Sans" panose="020B0604020202020204" pitchFamily="34" charset="0"/>
+                <a:latin typeface="Segoe UI Semibold" panose="020B0702040204020203" pitchFamily="34" charset="0"/>
+                <a:cs typeface="Segoe UI Semibold" panose="020B0702040204020203" pitchFamily="34" charset="0"/>
               </a:rPr>
-              <a:t>…</a:t>
-            </a:r>
-            <a:endParaRPr lang="tr-TR" sz="2000" b="0" i="0" dirty="0">
-              <a:solidFill>
-                <a:schemeClr val="tx1">
-                  <a:lumMod val="75000"/>
-                  <a:lumOff val="25000"/>
-                </a:schemeClr>
-              </a:solidFill>
-              <a:effectLst/>
-              <a:latin typeface="Open Sans" panose="020B0604020202020204" pitchFamily="34" charset="0"/>
-            </a:endParaRPr>
+              <a:t> </a:t>
+            </a:r>
+            <a:r>
+              <a:rPr lang="en-US" sz="4800" dirty="0" err="1">
+                <a:solidFill>
+                  <a:schemeClr val="bg1"/>
+                </a:solidFill>
+                <a:latin typeface="Segoe UI Semibold" panose="020B0702040204020203" pitchFamily="34" charset="0"/>
+                <a:cs typeface="Segoe UI Semibold" panose="020B0702040204020203" pitchFamily="34" charset="0"/>
+              </a:rPr>
+              <a:t>Miadrso</a:t>
+            </a:r>
+            <a:r>
+              <a:rPr lang="en-US" sz="4800" dirty="0">
+                <a:solidFill>
+                  <a:schemeClr val="bg1"/>
+                </a:solidFill>
+                <a:latin typeface="Segoe UI Semibold" panose="020B0702040204020203" pitchFamily="34" charset="0"/>
+                <a:cs typeface="Segoe UI Semibold" panose="020B0702040204020203" pitchFamily="34" charset="0"/>
+              </a:rPr>
+              <a:t> ABP Framework</a:t>
+            </a:r>
+            <a:endParaRPr lang="tr-TR" sz="4800" dirty="0"/>
           </a:p>
         </p:txBody>
       </p:sp>
     </p:spTree>
     <p:extLst>
       <p:ext uri="{BB962C8B-B14F-4D97-AF65-F5344CB8AC3E}">
-        <p14:creationId xmlns:p14="http://schemas.microsoft.com/office/powerpoint/2010/main" val="162682126"/>
+        <p14:creationId xmlns:p14="http://schemas.microsoft.com/office/powerpoint/2010/main" val="3984260866"/>
       </p:ext>
     </p:extLst>
   </p:cSld>
@@ -7170,10 +7834,10 @@
       </p:grpSpPr>
       <p:sp>
         <p:nvSpPr>
-          <p:cNvPr id="2" name="Başlık 1">
-            <a:extLst>
-              <a:ext uri="{FF2B5EF4-FFF2-40B4-BE49-F238E27FC236}">
-                <a16:creationId xmlns:a16="http://schemas.microsoft.com/office/drawing/2014/main" id="{FC0E68DA-A67F-4697-854D-AE37C5BA5BFA}"/>
+          <p:cNvPr id="7" name="Başlık 6">
+            <a:extLst>
+              <a:ext uri="{FF2B5EF4-FFF2-40B4-BE49-F238E27FC236}">
+                <a16:creationId xmlns:a16="http://schemas.microsoft.com/office/drawing/2014/main" id="{D2F15B71-2E54-472F-AD0B-A90EFD5F8209}"/>
               </a:ext>
             </a:extLst>
           </p:cNvPr>
@@ -7186,8 +7850,8 @@
         </p:nvSpPr>
         <p:spPr>
           <a:xfrm>
-            <a:off x="952500" y="885825"/>
-            <a:ext cx="10287000" cy="1066800"/>
+            <a:off x="1019175" y="1404143"/>
+            <a:ext cx="10153650" cy="4068763"/>
           </a:xfrm>
         </p:spPr>
         <p:txBody>
@@ -7196,107 +7860,64 @@
           </a:bodyPr>
           <a:lstStyle/>
           <a:p>
-            <a:pPr algn="l"/>
-            <a:r>
-              <a:rPr lang="en-US" sz="4000" dirty="0">
+            <a:r>
+              <a:rPr lang="en-US" sz="4800" dirty="0">
                 <a:solidFill>
-                  <a:srgbClr val="44013C"/>
+                  <a:schemeClr val="bg1"/>
                 </a:solidFill>
                 <a:latin typeface="Segoe UI Semibold" panose="020B0702040204020203" pitchFamily="34" charset="0"/>
                 <a:cs typeface="Segoe UI Semibold" panose="020B0702040204020203" pitchFamily="34" charset="0"/>
               </a:rPr>
-              <a:t>TODO: Title</a:t>
-            </a:r>
-            <a:endParaRPr lang="tr-TR" sz="4000" dirty="0">
-              <a:solidFill>
-                <a:srgbClr val="44013C"/>
-              </a:solidFill>
-            </a:endParaRPr>
-          </a:p>
-        </p:txBody>
-      </p:sp>
-      <p:sp>
-        <p:nvSpPr>
-          <p:cNvPr id="4" name="Başlık 1">
-            <a:extLst>
-              <a:ext uri="{FF2B5EF4-FFF2-40B4-BE49-F238E27FC236}">
-                <a16:creationId xmlns:a16="http://schemas.microsoft.com/office/drawing/2014/main" id="{96A1982A-6408-4D1D-8BA5-BE7B17D51BB4}"/>
-              </a:ext>
-            </a:extLst>
-          </p:cNvPr>
-          <p:cNvSpPr txBox="1">
-            <a:spLocks/>
-          </p:cNvSpPr>
-          <p:nvPr/>
-        </p:nvSpPr>
-        <p:spPr>
-          <a:xfrm>
-            <a:off x="952500" y="1952625"/>
-            <a:ext cx="10287000" cy="4286250"/>
-          </a:xfrm>
-          <a:prstGeom prst="rect">
-            <a:avLst/>
-          </a:prstGeom>
-        </p:spPr>
-        <p:txBody>
-          <a:bodyPr vert="horz" lIns="91440" tIns="45720" rIns="91440" bIns="45720" rtlCol="0" anchor="t">
-            <a:noAutofit/>
-          </a:bodyPr>
-          <a:lstStyle>
-            <a:lvl1pPr algn="ctr" defTabSz="914400" rtl="0" eaLnBrk="1" latinLnBrk="0" hangingPunct="1">
-              <a:lnSpc>
-                <a:spcPct val="90000"/>
-              </a:lnSpc>
-              <a:spcBef>
-                <a:spcPct val="0"/>
-              </a:spcBef>
-              <a:buNone/>
-              <a:defRPr sz="6000" kern="1200">
+              <a:t>Subtitle If You Need for Lorem Ipsum Dolor Sit </a:t>
+            </a:r>
+            <a:r>
+              <a:rPr lang="en-US" sz="4800" dirty="0" err="1">
                 <a:solidFill>
-                  <a:schemeClr val="tx1"/>
+                  <a:schemeClr val="bg1"/>
                 </a:solidFill>
-                <a:latin typeface="+mj-lt"/>
-                <a:ea typeface="+mj-ea"/>
-                <a:cs typeface="+mj-cs"/>
-              </a:defRPr>
-            </a:lvl1pPr>
-          </a:lstStyle>
-          <a:p>
-            <a:pPr algn="just">
-              <a:lnSpc>
-                <a:spcPct val="150000"/>
-              </a:lnSpc>
-            </a:pPr>
-            <a:r>
-              <a:rPr lang="en-US" sz="2000" b="0" i="0" dirty="0">
+                <a:latin typeface="Segoe UI Semibold" panose="020B0702040204020203" pitchFamily="34" charset="0"/>
+                <a:cs typeface="Segoe UI Semibold" panose="020B0702040204020203" pitchFamily="34" charset="0"/>
+              </a:rPr>
+              <a:t>Amet</a:t>
+            </a:r>
+            <a:r>
+              <a:rPr lang="en-US" sz="4800" dirty="0">
                 <a:solidFill>
-                  <a:schemeClr val="tx1">
-                    <a:lumMod val="75000"/>
-                    <a:lumOff val="25000"/>
-                  </a:schemeClr>
+                  <a:schemeClr val="bg1"/>
                 </a:solidFill>
-                <a:effectLst/>
-                <a:latin typeface="Open Sans" panose="020B0604020202020204" pitchFamily="34" charset="0"/>
+                <a:latin typeface="Segoe UI Semibold" panose="020B0702040204020203" pitchFamily="34" charset="0"/>
+                <a:cs typeface="Segoe UI Semibold" panose="020B0702040204020203" pitchFamily="34" charset="0"/>
               </a:rPr>
-              <a:t>…</a:t>
-            </a:r>
-            <a:endParaRPr lang="tr-TR" sz="2000" b="0" i="0" dirty="0">
-              <a:solidFill>
-                <a:schemeClr val="tx1">
-                  <a:lumMod val="75000"/>
-                  <a:lumOff val="25000"/>
-                </a:schemeClr>
-              </a:solidFill>
-              <a:effectLst/>
-              <a:latin typeface="Open Sans" panose="020B0604020202020204" pitchFamily="34" charset="0"/>
-            </a:endParaRPr>
+              <a:t> </a:t>
+            </a:r>
+            <a:r>
+              <a:rPr lang="en-US" sz="4800" dirty="0" err="1">
+                <a:solidFill>
+                  <a:schemeClr val="bg1"/>
+                </a:solidFill>
+                <a:latin typeface="Segoe UI Semibold" panose="020B0702040204020203" pitchFamily="34" charset="0"/>
+                <a:cs typeface="Segoe UI Semibold" panose="020B0702040204020203" pitchFamily="34" charset="0"/>
+              </a:rPr>
+              <a:t>Miadrso</a:t>
+            </a:r>
+            <a:r>
+              <a:rPr lang="en-US" sz="4800" dirty="0">
+                <a:solidFill>
+                  <a:schemeClr val="bg1"/>
+                </a:solidFill>
+                <a:latin typeface="Segoe UI Semibold" panose="020B0702040204020203" pitchFamily="34" charset="0"/>
+                <a:cs typeface="Segoe UI Semibold" panose="020B0702040204020203" pitchFamily="34" charset="0"/>
+              </a:rPr>
+              <a:t> ABP Framework</a:t>
+            </a:r>
+            <a:endParaRPr lang="tr-TR" sz="4800" dirty="0"/>
           </a:p>
         </p:txBody>
       </p:sp>
     </p:spTree>
     <p:extLst>
       <p:ext uri="{BB962C8B-B14F-4D97-AF65-F5344CB8AC3E}">
-        <p14:creationId xmlns:p14="http://schemas.microsoft.com/office/powerpoint/2010/main" val="2262001301"/>
+        <p14:creationId xmlns:p14="http://schemas.microsoft.com/office/powerpoint/2010/main" val="2737754209"/>
       </p:ext>
     </p:extLst>
   </p:cSld>
@@ -7465,7 +8086,7 @@
     </p:spTree>
     <p:extLst>
       <p:ext uri="{BB962C8B-B14F-4D97-AF65-F5344CB8AC3E}">
-        <p14:creationId xmlns:p14="http://schemas.microsoft.com/office/powerpoint/2010/main" val="923578674"/>
+        <p14:creationId xmlns:p14="http://schemas.microsoft.com/office/powerpoint/2010/main" val="162682126"/>
       </p:ext>
     </p:extLst>
   </p:cSld>
@@ -7634,7 +8255,7 @@
     </p:spTree>
     <p:extLst>
       <p:ext uri="{BB962C8B-B14F-4D97-AF65-F5344CB8AC3E}">
-        <p14:creationId xmlns:p14="http://schemas.microsoft.com/office/powerpoint/2010/main" val="2261597401"/>
+        <p14:creationId xmlns:p14="http://schemas.microsoft.com/office/powerpoint/2010/main" val="2262001301"/>
       </p:ext>
     </p:extLst>
   </p:cSld>
@@ -7803,7 +8424,7 @@
     </p:spTree>
     <p:extLst>
       <p:ext uri="{BB962C8B-B14F-4D97-AF65-F5344CB8AC3E}">
-        <p14:creationId xmlns:p14="http://schemas.microsoft.com/office/powerpoint/2010/main" val="3452733105"/>
+        <p14:creationId xmlns:p14="http://schemas.microsoft.com/office/powerpoint/2010/main" val="923578674"/>
       </p:ext>
     </p:extLst>
   </p:cSld>
@@ -7972,7 +8593,7 @@
     </p:spTree>
     <p:extLst>
       <p:ext uri="{BB962C8B-B14F-4D97-AF65-F5344CB8AC3E}">
-        <p14:creationId xmlns:p14="http://schemas.microsoft.com/office/powerpoint/2010/main" val="875268466"/>
+        <p14:creationId xmlns:p14="http://schemas.microsoft.com/office/powerpoint/2010/main" val="2261597401"/>
       </p:ext>
     </p:extLst>
   </p:cSld>
@@ -8141,6 +8762,344 @@
     </p:spTree>
     <p:extLst>
       <p:ext uri="{BB962C8B-B14F-4D97-AF65-F5344CB8AC3E}">
+        <p14:creationId xmlns:p14="http://schemas.microsoft.com/office/powerpoint/2010/main" val="3452733105"/>
+      </p:ext>
+    </p:extLst>
+  </p:cSld>
+  <p:clrMapOvr>
+    <a:masterClrMapping/>
+  </p:clrMapOvr>
+</p:sld>
+</file>
+
+<file path=ppt/slides/slide26.xml><?xml version="1.0" encoding="utf-8"?>
+<p:sld xmlns:a="http://schemas.openxmlformats.org/drawingml/2006/main" xmlns:r="http://schemas.openxmlformats.org/officeDocument/2006/relationships" xmlns:p="http://schemas.openxmlformats.org/presentationml/2006/main">
+  <p:cSld>
+    <p:bg>
+      <p:bgPr>
+        <a:blipFill dpi="0" rotWithShape="1">
+          <a:blip r:embed="rId2">
+            <a:lum/>
+          </a:blip>
+          <a:srcRect/>
+          <a:stretch>
+            <a:fillRect/>
+          </a:stretch>
+        </a:blipFill>
+        <a:effectLst/>
+      </p:bgPr>
+    </p:bg>
+    <p:spTree>
+      <p:nvGrpSpPr>
+        <p:cNvPr id="1" name=""/>
+        <p:cNvGrpSpPr/>
+        <p:nvPr/>
+      </p:nvGrpSpPr>
+      <p:grpSpPr>
+        <a:xfrm>
+          <a:off x="0" y="0"/>
+          <a:ext cx="0" cy="0"/>
+          <a:chOff x="0" y="0"/>
+          <a:chExt cx="0" cy="0"/>
+        </a:xfrm>
+      </p:grpSpPr>
+      <p:sp>
+        <p:nvSpPr>
+          <p:cNvPr id="2" name="Başlık 1">
+            <a:extLst>
+              <a:ext uri="{FF2B5EF4-FFF2-40B4-BE49-F238E27FC236}">
+                <a16:creationId xmlns:a16="http://schemas.microsoft.com/office/drawing/2014/main" id="{FC0E68DA-A67F-4697-854D-AE37C5BA5BFA}"/>
+              </a:ext>
+            </a:extLst>
+          </p:cNvPr>
+          <p:cNvSpPr>
+            <a:spLocks noGrp="1"/>
+          </p:cNvSpPr>
+          <p:nvPr>
+            <p:ph type="ctrTitle"/>
+          </p:nvPr>
+        </p:nvSpPr>
+        <p:spPr>
+          <a:xfrm>
+            <a:off x="952500" y="885825"/>
+            <a:ext cx="10287000" cy="1066800"/>
+          </a:xfrm>
+        </p:spPr>
+        <p:txBody>
+          <a:bodyPr anchor="ctr">
+            <a:normAutofit/>
+          </a:bodyPr>
+          <a:lstStyle/>
+          <a:p>
+            <a:pPr algn="l"/>
+            <a:r>
+              <a:rPr lang="en-US" sz="4000" dirty="0">
+                <a:solidFill>
+                  <a:srgbClr val="44013C"/>
+                </a:solidFill>
+                <a:latin typeface="Segoe UI Semibold" panose="020B0702040204020203" pitchFamily="34" charset="0"/>
+                <a:cs typeface="Segoe UI Semibold" panose="020B0702040204020203" pitchFamily="34" charset="0"/>
+              </a:rPr>
+              <a:t>TODO: Title</a:t>
+            </a:r>
+            <a:endParaRPr lang="tr-TR" sz="4000" dirty="0">
+              <a:solidFill>
+                <a:srgbClr val="44013C"/>
+              </a:solidFill>
+            </a:endParaRPr>
+          </a:p>
+        </p:txBody>
+      </p:sp>
+      <p:sp>
+        <p:nvSpPr>
+          <p:cNvPr id="4" name="Başlık 1">
+            <a:extLst>
+              <a:ext uri="{FF2B5EF4-FFF2-40B4-BE49-F238E27FC236}">
+                <a16:creationId xmlns:a16="http://schemas.microsoft.com/office/drawing/2014/main" id="{96A1982A-6408-4D1D-8BA5-BE7B17D51BB4}"/>
+              </a:ext>
+            </a:extLst>
+          </p:cNvPr>
+          <p:cNvSpPr txBox="1">
+            <a:spLocks/>
+          </p:cNvSpPr>
+          <p:nvPr/>
+        </p:nvSpPr>
+        <p:spPr>
+          <a:xfrm>
+            <a:off x="952500" y="1952625"/>
+            <a:ext cx="10287000" cy="4286250"/>
+          </a:xfrm>
+          <a:prstGeom prst="rect">
+            <a:avLst/>
+          </a:prstGeom>
+        </p:spPr>
+        <p:txBody>
+          <a:bodyPr vert="horz" lIns="91440" tIns="45720" rIns="91440" bIns="45720" rtlCol="0" anchor="t">
+            <a:noAutofit/>
+          </a:bodyPr>
+          <a:lstStyle>
+            <a:lvl1pPr algn="ctr" defTabSz="914400" rtl="0" eaLnBrk="1" latinLnBrk="0" hangingPunct="1">
+              <a:lnSpc>
+                <a:spcPct val="90000"/>
+              </a:lnSpc>
+              <a:spcBef>
+                <a:spcPct val="0"/>
+              </a:spcBef>
+              <a:buNone/>
+              <a:defRPr sz="6000" kern="1200">
+                <a:solidFill>
+                  <a:schemeClr val="tx1"/>
+                </a:solidFill>
+                <a:latin typeface="+mj-lt"/>
+                <a:ea typeface="+mj-ea"/>
+                <a:cs typeface="+mj-cs"/>
+              </a:defRPr>
+            </a:lvl1pPr>
+          </a:lstStyle>
+          <a:p>
+            <a:pPr algn="just">
+              <a:lnSpc>
+                <a:spcPct val="150000"/>
+              </a:lnSpc>
+            </a:pPr>
+            <a:r>
+              <a:rPr lang="en-US" sz="2000" b="0" i="0" dirty="0">
+                <a:solidFill>
+                  <a:schemeClr val="tx1">
+                    <a:lumMod val="75000"/>
+                    <a:lumOff val="25000"/>
+                  </a:schemeClr>
+                </a:solidFill>
+                <a:effectLst/>
+                <a:latin typeface="Open Sans" panose="020B0604020202020204" pitchFamily="34" charset="0"/>
+              </a:rPr>
+              <a:t>…</a:t>
+            </a:r>
+            <a:endParaRPr lang="tr-TR" sz="2000" b="0" i="0" dirty="0">
+              <a:solidFill>
+                <a:schemeClr val="tx1">
+                  <a:lumMod val="75000"/>
+                  <a:lumOff val="25000"/>
+                </a:schemeClr>
+              </a:solidFill>
+              <a:effectLst/>
+              <a:latin typeface="Open Sans" panose="020B0604020202020204" pitchFamily="34" charset="0"/>
+            </a:endParaRPr>
+          </a:p>
+        </p:txBody>
+      </p:sp>
+    </p:spTree>
+    <p:extLst>
+      <p:ext uri="{BB962C8B-B14F-4D97-AF65-F5344CB8AC3E}">
+        <p14:creationId xmlns:p14="http://schemas.microsoft.com/office/powerpoint/2010/main" val="875268466"/>
+      </p:ext>
+    </p:extLst>
+  </p:cSld>
+  <p:clrMapOvr>
+    <a:masterClrMapping/>
+  </p:clrMapOvr>
+</p:sld>
+</file>
+
+<file path=ppt/slides/slide27.xml><?xml version="1.0" encoding="utf-8"?>
+<p:sld xmlns:a="http://schemas.openxmlformats.org/drawingml/2006/main" xmlns:r="http://schemas.openxmlformats.org/officeDocument/2006/relationships" xmlns:p="http://schemas.openxmlformats.org/presentationml/2006/main">
+  <p:cSld>
+    <p:bg>
+      <p:bgPr>
+        <a:blipFill dpi="0" rotWithShape="1">
+          <a:blip r:embed="rId2">
+            <a:lum/>
+          </a:blip>
+          <a:srcRect/>
+          <a:stretch>
+            <a:fillRect/>
+          </a:stretch>
+        </a:blipFill>
+        <a:effectLst/>
+      </p:bgPr>
+    </p:bg>
+    <p:spTree>
+      <p:nvGrpSpPr>
+        <p:cNvPr id="1" name=""/>
+        <p:cNvGrpSpPr/>
+        <p:nvPr/>
+      </p:nvGrpSpPr>
+      <p:grpSpPr>
+        <a:xfrm>
+          <a:off x="0" y="0"/>
+          <a:ext cx="0" cy="0"/>
+          <a:chOff x="0" y="0"/>
+          <a:chExt cx="0" cy="0"/>
+        </a:xfrm>
+      </p:grpSpPr>
+      <p:sp>
+        <p:nvSpPr>
+          <p:cNvPr id="2" name="Başlık 1">
+            <a:extLst>
+              <a:ext uri="{FF2B5EF4-FFF2-40B4-BE49-F238E27FC236}">
+                <a16:creationId xmlns:a16="http://schemas.microsoft.com/office/drawing/2014/main" id="{FC0E68DA-A67F-4697-854D-AE37C5BA5BFA}"/>
+              </a:ext>
+            </a:extLst>
+          </p:cNvPr>
+          <p:cNvSpPr>
+            <a:spLocks noGrp="1"/>
+          </p:cNvSpPr>
+          <p:nvPr>
+            <p:ph type="ctrTitle"/>
+          </p:nvPr>
+        </p:nvSpPr>
+        <p:spPr>
+          <a:xfrm>
+            <a:off x="952500" y="885825"/>
+            <a:ext cx="10287000" cy="1066800"/>
+          </a:xfrm>
+        </p:spPr>
+        <p:txBody>
+          <a:bodyPr anchor="ctr">
+            <a:normAutofit/>
+          </a:bodyPr>
+          <a:lstStyle/>
+          <a:p>
+            <a:pPr algn="l"/>
+            <a:r>
+              <a:rPr lang="en-US" sz="4000" dirty="0">
+                <a:solidFill>
+                  <a:srgbClr val="44013C"/>
+                </a:solidFill>
+                <a:latin typeface="Segoe UI Semibold" panose="020B0702040204020203" pitchFamily="34" charset="0"/>
+                <a:cs typeface="Segoe UI Semibold" panose="020B0702040204020203" pitchFamily="34" charset="0"/>
+              </a:rPr>
+              <a:t>TODO: Title</a:t>
+            </a:r>
+            <a:endParaRPr lang="tr-TR" sz="4000" dirty="0">
+              <a:solidFill>
+                <a:srgbClr val="44013C"/>
+              </a:solidFill>
+            </a:endParaRPr>
+          </a:p>
+        </p:txBody>
+      </p:sp>
+      <p:sp>
+        <p:nvSpPr>
+          <p:cNvPr id="4" name="Başlık 1">
+            <a:extLst>
+              <a:ext uri="{FF2B5EF4-FFF2-40B4-BE49-F238E27FC236}">
+                <a16:creationId xmlns:a16="http://schemas.microsoft.com/office/drawing/2014/main" id="{96A1982A-6408-4D1D-8BA5-BE7B17D51BB4}"/>
+              </a:ext>
+            </a:extLst>
+          </p:cNvPr>
+          <p:cNvSpPr txBox="1">
+            <a:spLocks/>
+          </p:cNvSpPr>
+          <p:nvPr/>
+        </p:nvSpPr>
+        <p:spPr>
+          <a:xfrm>
+            <a:off x="952500" y="1952625"/>
+            <a:ext cx="10287000" cy="4286250"/>
+          </a:xfrm>
+          <a:prstGeom prst="rect">
+            <a:avLst/>
+          </a:prstGeom>
+        </p:spPr>
+        <p:txBody>
+          <a:bodyPr vert="horz" lIns="91440" tIns="45720" rIns="91440" bIns="45720" rtlCol="0" anchor="t">
+            <a:noAutofit/>
+          </a:bodyPr>
+          <a:lstStyle>
+            <a:lvl1pPr algn="ctr" defTabSz="914400" rtl="0" eaLnBrk="1" latinLnBrk="0" hangingPunct="1">
+              <a:lnSpc>
+                <a:spcPct val="90000"/>
+              </a:lnSpc>
+              <a:spcBef>
+                <a:spcPct val="0"/>
+              </a:spcBef>
+              <a:buNone/>
+              <a:defRPr sz="6000" kern="1200">
+                <a:solidFill>
+                  <a:schemeClr val="tx1"/>
+                </a:solidFill>
+                <a:latin typeface="+mj-lt"/>
+                <a:ea typeface="+mj-ea"/>
+                <a:cs typeface="+mj-cs"/>
+              </a:defRPr>
+            </a:lvl1pPr>
+          </a:lstStyle>
+          <a:p>
+            <a:pPr algn="just">
+              <a:lnSpc>
+                <a:spcPct val="150000"/>
+              </a:lnSpc>
+            </a:pPr>
+            <a:r>
+              <a:rPr lang="en-US" sz="2000" b="0" i="0" dirty="0">
+                <a:solidFill>
+                  <a:schemeClr val="tx1">
+                    <a:lumMod val="75000"/>
+                    <a:lumOff val="25000"/>
+                  </a:schemeClr>
+                </a:solidFill>
+                <a:effectLst/>
+                <a:latin typeface="Open Sans" panose="020B0604020202020204" pitchFamily="34" charset="0"/>
+              </a:rPr>
+              <a:t>…</a:t>
+            </a:r>
+            <a:endParaRPr lang="tr-TR" sz="2000" b="0" i="0" dirty="0">
+              <a:solidFill>
+                <a:schemeClr val="tx1">
+                  <a:lumMod val="75000"/>
+                  <a:lumOff val="25000"/>
+                </a:schemeClr>
+              </a:solidFill>
+              <a:effectLst/>
+              <a:latin typeface="Open Sans" panose="020B0604020202020204" pitchFamily="34" charset="0"/>
+            </a:endParaRPr>
+          </a:p>
+        </p:txBody>
+      </p:sp>
+    </p:spTree>
+    <p:extLst>
+      <p:ext uri="{BB962C8B-B14F-4D97-AF65-F5344CB8AC3E}">
         <p14:creationId xmlns:p14="http://schemas.microsoft.com/office/powerpoint/2010/main" val="3910789178"/>
       </p:ext>
     </p:extLst>
@@ -8151,7 +9110,7 @@
 </p:sld>
 </file>
 
-<file path=ppt/slides/slide26.xml><?xml version="1.0" encoding="utf-8"?>
+<file path=ppt/slides/slide28.xml><?xml version="1.0" encoding="utf-8"?>
 <p:sld xmlns:a="http://schemas.openxmlformats.org/drawingml/2006/main" xmlns:r="http://schemas.openxmlformats.org/officeDocument/2006/relationships" xmlns:p="http://schemas.openxmlformats.org/presentationml/2006/main">
   <p:cSld>
     <p:bg>
